--- a/static/files/SDA/week8/lecture_week_8.pptx
+++ b/static/files/SDA/week8/lecture_week_8.pptx
@@ -32,15 +32,15 @@
     <p:sldId id="269" r:id="rId23"/>
     <p:sldId id="302" r:id="rId24"/>
     <p:sldId id="303" r:id="rId25"/>
-    <p:sldId id="270" r:id="rId26"/>
-    <p:sldId id="411" r:id="rId27"/>
-    <p:sldId id="419" r:id="rId28"/>
-    <p:sldId id="285" r:id="rId29"/>
-    <p:sldId id="418" r:id="rId30"/>
-    <p:sldId id="417" r:id="rId31"/>
+    <p:sldId id="421" r:id="rId26"/>
+    <p:sldId id="270" r:id="rId27"/>
+    <p:sldId id="411" r:id="rId28"/>
+    <p:sldId id="419" r:id="rId29"/>
+    <p:sldId id="285" r:id="rId30"/>
+    <p:sldId id="418" r:id="rId31"/>
     <p:sldId id="315" r:id="rId32"/>
   </p:sldIdLst>
-  <p:sldSz cx="9144000" cy="6858000" type="screen4x3"/>
+  <p:sldSz cx="12192000" cy="6858000"/>
   <p:notesSz cx="7099300" cy="10234613"/>
   <p:defaultTextStyle>
     <a:defPPr>
@@ -140,12 +140,12 @@
   <p:extLst>
     <p:ext uri="{EFAFB233-063F-42B5-8137-9DF3F51BA10A}">
       <p15:sldGuideLst xmlns:p15="http://schemas.microsoft.com/office/powerpoint/2012/main">
-        <p15:guide id="1" orient="horz" pos="2160">
+        <p15:guide id="1" orient="horz" pos="2160" userDrawn="1">
           <p15:clr>
             <a:srgbClr val="A4A3A4"/>
           </p15:clr>
         </p15:guide>
-        <p15:guide id="2" pos="2880">
+        <p15:guide id="2" pos="3840" userDrawn="1">
           <p15:clr>
             <a:srgbClr val="A4A3A4"/>
           </p15:clr>
@@ -238,7 +238,7 @@
           <a:p>
             <a:fld id="{8FEAE804-2177-420F-80EC-8435C849749E}" type="datetimeFigureOut">
               <a:rPr lang="nl-NL" smtClean="0"/>
-              <a:t>25-08-2023</a:t>
+              <a:t>16-10-2023</a:t>
             </a:fld>
             <a:endParaRPr lang="nl-NL"/>
           </a:p>
@@ -256,8 +256,8 @@
         </p:nvSpPr>
         <p:spPr>
           <a:xfrm>
-            <a:off x="992188" y="768350"/>
-            <a:ext cx="5114925" cy="3836988"/>
+            <a:off x="139700" y="768350"/>
+            <a:ext cx="6819900" cy="3836988"/>
           </a:xfrm>
           <a:prstGeom prst="rect">
             <a:avLst/>
@@ -397,7 +397,7 @@
           <a:p>
             <a:fld id="{5A5C3F83-0697-4E86-ACCC-06B2BA00787A}" type="slidenum">
               <a:rPr lang="nl-NL" smtClean="0"/>
-              <a:t>‹nr.›</a:t>
+              <a:t>‹#›</a:t>
             </a:fld>
             <a:endParaRPr lang="nl-NL"/>
           </a:p>
@@ -533,7 +533,12 @@
             <p:ph type="sldImg"/>
           </p:nvPr>
         </p:nvSpPr>
-        <p:spPr/>
+        <p:spPr>
+          <a:xfrm>
+            <a:off x="139700" y="768350"/>
+            <a:ext cx="6819900" cy="3836988"/>
+          </a:xfrm>
+        </p:spPr>
       </p:sp>
       <p:sp>
         <p:nvSpPr>
@@ -586,90 +591,6 @@
     <p:extLst>
       <p:ext uri="{BB962C8B-B14F-4D97-AF65-F5344CB8AC3E}">
         <p14:creationId xmlns:p14="http://schemas.microsoft.com/office/powerpoint/2010/main" val="28224465"/>
-      </p:ext>
-    </p:extLst>
-  </p:cSld>
-  <p:clrMapOvr>
-    <a:masterClrMapping/>
-  </p:clrMapOvr>
-</p:notes>
-</file>
-
-<file path=ppt/notesSlides/notesSlide2.xml><?xml version="1.0" encoding="utf-8"?>
-<p:notes xmlns:a="http://schemas.openxmlformats.org/drawingml/2006/main" xmlns:r="http://schemas.openxmlformats.org/officeDocument/2006/relationships" xmlns:p="http://schemas.openxmlformats.org/presentationml/2006/main">
-  <p:cSld>
-    <p:spTree>
-      <p:nvGrpSpPr>
-        <p:cNvPr id="1" name=""/>
-        <p:cNvGrpSpPr/>
-        <p:nvPr/>
-      </p:nvGrpSpPr>
-      <p:grpSpPr>
-        <a:xfrm>
-          <a:off x="0" y="0"/>
-          <a:ext cx="0" cy="0"/>
-          <a:chOff x="0" y="0"/>
-          <a:chExt cx="0" cy="0"/>
-        </a:xfrm>
-      </p:grpSpPr>
-      <p:sp>
-        <p:nvSpPr>
-          <p:cNvPr id="2" name="Tijdelijke aanduiding voor dia-afbeelding 1"/>
-          <p:cNvSpPr>
-            <a:spLocks noGrp="1" noRot="1" noChangeAspect="1"/>
-          </p:cNvSpPr>
-          <p:nvPr>
-            <p:ph type="sldImg"/>
-          </p:nvPr>
-        </p:nvSpPr>
-        <p:spPr/>
-      </p:sp>
-      <p:sp>
-        <p:nvSpPr>
-          <p:cNvPr id="3" name="Tijdelijke aanduiding voor notities 2"/>
-          <p:cNvSpPr>
-            <a:spLocks noGrp="1"/>
-          </p:cNvSpPr>
-          <p:nvPr>
-            <p:ph type="body" idx="1"/>
-          </p:nvPr>
-        </p:nvSpPr>
-        <p:spPr/>
-        <p:txBody>
-          <a:bodyPr/>
-          <a:lstStyle/>
-          <a:p>
-            <a:endParaRPr lang="nl-NL" dirty="0"/>
-          </a:p>
-        </p:txBody>
-      </p:sp>
-      <p:sp>
-        <p:nvSpPr>
-          <p:cNvPr id="4" name="Tijdelijke aanduiding voor dianummer 3"/>
-          <p:cNvSpPr>
-            <a:spLocks noGrp="1"/>
-          </p:cNvSpPr>
-          <p:nvPr>
-            <p:ph type="sldNum" sz="quarter" idx="5"/>
-          </p:nvPr>
-        </p:nvSpPr>
-        <p:spPr/>
-        <p:txBody>
-          <a:bodyPr/>
-          <a:lstStyle/>
-          <a:p>
-            <a:fld id="{5A5C3F83-0697-4E86-ACCC-06B2BA00787A}" type="slidenum">
-              <a:rPr lang="nl-NL" smtClean="0"/>
-              <a:t>30</a:t>
-            </a:fld>
-            <a:endParaRPr lang="nl-NL"/>
-          </a:p>
-        </p:txBody>
-      </p:sp>
-    </p:spTree>
-    <p:extLst>
-      <p:ext uri="{BB962C8B-B14F-4D97-AF65-F5344CB8AC3E}">
-        <p14:creationId xmlns:p14="http://schemas.microsoft.com/office/powerpoint/2010/main" val="2109045838"/>
       </p:ext>
     </p:extLst>
   </p:cSld>
@@ -708,8 +629,8 @@
         </p:nvSpPr>
         <p:spPr>
           <a:xfrm>
-            <a:off x="685800" y="2130425"/>
-            <a:ext cx="7772400" cy="1470025"/>
+            <a:off x="914400" y="2130426"/>
+            <a:ext cx="10363200" cy="1470025"/>
           </a:xfrm>
         </p:spPr>
         <p:txBody>
@@ -736,8 +657,8 @@
         </p:nvSpPr>
         <p:spPr>
           <a:xfrm>
-            <a:off x="1371600" y="3886200"/>
-            <a:ext cx="6400800" cy="1752600"/>
+            <a:off x="1828800" y="3886200"/>
+            <a:ext cx="8534400" cy="1752600"/>
           </a:xfrm>
         </p:spPr>
         <p:txBody>
@@ -860,7 +781,7 @@
           <a:p>
             <a:fld id="{7758815F-D99B-4B41-95A2-A0AEC8FACC43}" type="datetimeFigureOut">
               <a:rPr lang="nl-NL" smtClean="0"/>
-              <a:t>25-08-2023</a:t>
+              <a:t>16-10-2023</a:t>
             </a:fld>
             <a:endParaRPr lang="nl-NL"/>
           </a:p>
@@ -902,7 +823,7 @@
           <a:p>
             <a:fld id="{DBA3E7B4-B031-428C-A875-F1315D524DB8}" type="slidenum">
               <a:rPr lang="nl-NL" smtClean="0"/>
-              <a:t>‹nr.›</a:t>
+              <a:t>‹#›</a:t>
             </a:fld>
             <a:endParaRPr lang="nl-NL"/>
           </a:p>
@@ -1030,7 +951,7 @@
           <a:p>
             <a:fld id="{7758815F-D99B-4B41-95A2-A0AEC8FACC43}" type="datetimeFigureOut">
               <a:rPr lang="nl-NL" smtClean="0"/>
-              <a:t>25-08-2023</a:t>
+              <a:t>16-10-2023</a:t>
             </a:fld>
             <a:endParaRPr lang="nl-NL"/>
           </a:p>
@@ -1072,7 +993,7 @@
           <a:p>
             <a:fld id="{DBA3E7B4-B031-428C-A875-F1315D524DB8}" type="slidenum">
               <a:rPr lang="nl-NL" smtClean="0"/>
-              <a:t>‹nr.›</a:t>
+              <a:t>‹#›</a:t>
             </a:fld>
             <a:endParaRPr lang="nl-NL"/>
           </a:p>
@@ -1120,8 +1041,8 @@
         </p:nvSpPr>
         <p:spPr>
           <a:xfrm>
-            <a:off x="6629400" y="274638"/>
-            <a:ext cx="2057400" cy="5851525"/>
+            <a:off x="8839200" y="274639"/>
+            <a:ext cx="2743200" cy="5851525"/>
           </a:xfrm>
         </p:spPr>
         <p:txBody>
@@ -1148,8 +1069,8 @@
         </p:nvSpPr>
         <p:spPr>
           <a:xfrm>
-            <a:off x="457200" y="274638"/>
-            <a:ext cx="6019800" cy="5851525"/>
+            <a:off x="609600" y="274639"/>
+            <a:ext cx="8026400" cy="5851525"/>
           </a:xfrm>
         </p:spPr>
         <p:txBody>
@@ -1210,7 +1131,7 @@
           <a:p>
             <a:fld id="{7758815F-D99B-4B41-95A2-A0AEC8FACC43}" type="datetimeFigureOut">
               <a:rPr lang="nl-NL" smtClean="0"/>
-              <a:t>25-08-2023</a:t>
+              <a:t>16-10-2023</a:t>
             </a:fld>
             <a:endParaRPr lang="nl-NL"/>
           </a:p>
@@ -1252,7 +1173,7 @@
           <a:p>
             <a:fld id="{DBA3E7B4-B031-428C-A875-F1315D524DB8}" type="slidenum">
               <a:rPr lang="nl-NL" smtClean="0"/>
-              <a:t>‹nr.›</a:t>
+              <a:t>‹#›</a:t>
             </a:fld>
             <a:endParaRPr lang="nl-NL"/>
           </a:p>
@@ -1380,7 +1301,7 @@
           <a:p>
             <a:fld id="{7758815F-D99B-4B41-95A2-A0AEC8FACC43}" type="datetimeFigureOut">
               <a:rPr lang="nl-NL" smtClean="0"/>
-              <a:t>25-08-2023</a:t>
+              <a:t>16-10-2023</a:t>
             </a:fld>
             <a:endParaRPr lang="nl-NL"/>
           </a:p>
@@ -1422,7 +1343,7 @@
           <a:p>
             <a:fld id="{DBA3E7B4-B031-428C-A875-F1315D524DB8}" type="slidenum">
               <a:rPr lang="nl-NL" smtClean="0"/>
-              <a:t>‹nr.›</a:t>
+              <a:t>‹#›</a:t>
             </a:fld>
             <a:endParaRPr lang="nl-NL"/>
           </a:p>
@@ -1470,8 +1391,8 @@
         </p:nvSpPr>
         <p:spPr>
           <a:xfrm>
-            <a:off x="722313" y="4406900"/>
-            <a:ext cx="7772400" cy="1362075"/>
+            <a:off x="963084" y="4406901"/>
+            <a:ext cx="10363200" cy="1362075"/>
           </a:xfrm>
         </p:spPr>
         <p:txBody>
@@ -1502,8 +1423,8 @@
         </p:nvSpPr>
         <p:spPr>
           <a:xfrm>
-            <a:off x="722313" y="2906713"/>
-            <a:ext cx="7772400" cy="1500187"/>
+            <a:off x="963084" y="2906713"/>
+            <a:ext cx="10363200" cy="1500187"/>
           </a:xfrm>
         </p:spPr>
         <p:txBody>
@@ -1626,7 +1547,7 @@
           <a:p>
             <a:fld id="{7758815F-D99B-4B41-95A2-A0AEC8FACC43}" type="datetimeFigureOut">
               <a:rPr lang="nl-NL" smtClean="0"/>
-              <a:t>25-08-2023</a:t>
+              <a:t>16-10-2023</a:t>
             </a:fld>
             <a:endParaRPr lang="nl-NL"/>
           </a:p>
@@ -1668,7 +1589,7 @@
           <a:p>
             <a:fld id="{DBA3E7B4-B031-428C-A875-F1315D524DB8}" type="slidenum">
               <a:rPr lang="nl-NL" smtClean="0"/>
-              <a:t>‹nr.›</a:t>
+              <a:t>‹#›</a:t>
             </a:fld>
             <a:endParaRPr lang="nl-NL"/>
           </a:p>
@@ -1739,8 +1660,8 @@
         </p:nvSpPr>
         <p:spPr>
           <a:xfrm>
-            <a:off x="457200" y="1600200"/>
-            <a:ext cx="4038600" cy="4525963"/>
+            <a:off x="609600" y="1600201"/>
+            <a:ext cx="5384800" cy="4525963"/>
           </a:xfrm>
         </p:spPr>
         <p:txBody>
@@ -1824,8 +1745,8 @@
         </p:nvSpPr>
         <p:spPr>
           <a:xfrm>
-            <a:off x="4648200" y="1600200"/>
-            <a:ext cx="4038600" cy="4525963"/>
+            <a:off x="6197600" y="1600201"/>
+            <a:ext cx="5384800" cy="4525963"/>
           </a:xfrm>
         </p:spPr>
         <p:txBody>
@@ -1914,7 +1835,7 @@
           <a:p>
             <a:fld id="{7758815F-D99B-4B41-95A2-A0AEC8FACC43}" type="datetimeFigureOut">
               <a:rPr lang="nl-NL" smtClean="0"/>
-              <a:t>25-08-2023</a:t>
+              <a:t>16-10-2023</a:t>
             </a:fld>
             <a:endParaRPr lang="nl-NL"/>
           </a:p>
@@ -1956,7 +1877,7 @@
           <a:p>
             <a:fld id="{DBA3E7B4-B031-428C-A875-F1315D524DB8}" type="slidenum">
               <a:rPr lang="nl-NL" smtClean="0"/>
-              <a:t>‹nr.›</a:t>
+              <a:t>‹#›</a:t>
             </a:fld>
             <a:endParaRPr lang="nl-NL"/>
           </a:p>
@@ -2031,8 +1952,8 @@
         </p:nvSpPr>
         <p:spPr>
           <a:xfrm>
-            <a:off x="457200" y="1535113"/>
-            <a:ext cx="4040188" cy="639762"/>
+            <a:off x="609600" y="1535113"/>
+            <a:ext cx="5386917" cy="639762"/>
           </a:xfrm>
         </p:spPr>
         <p:txBody>
@@ -2096,8 +2017,8 @@
         </p:nvSpPr>
         <p:spPr>
           <a:xfrm>
-            <a:off x="457200" y="2174875"/>
-            <a:ext cx="4040188" cy="3951288"/>
+            <a:off x="609600" y="2174875"/>
+            <a:ext cx="5386917" cy="3951288"/>
           </a:xfrm>
         </p:spPr>
         <p:txBody>
@@ -2181,8 +2102,8 @@
         </p:nvSpPr>
         <p:spPr>
           <a:xfrm>
-            <a:off x="4645025" y="1535113"/>
-            <a:ext cx="4041775" cy="639762"/>
+            <a:off x="6193368" y="1535113"/>
+            <a:ext cx="5389033" cy="639762"/>
           </a:xfrm>
         </p:spPr>
         <p:txBody>
@@ -2246,8 +2167,8 @@
         </p:nvSpPr>
         <p:spPr>
           <a:xfrm>
-            <a:off x="4645025" y="2174875"/>
-            <a:ext cx="4041775" cy="3951288"/>
+            <a:off x="6193368" y="2174875"/>
+            <a:ext cx="5389033" cy="3951288"/>
           </a:xfrm>
         </p:spPr>
         <p:txBody>
@@ -2336,7 +2257,7 @@
           <a:p>
             <a:fld id="{7758815F-D99B-4B41-95A2-A0AEC8FACC43}" type="datetimeFigureOut">
               <a:rPr lang="nl-NL" smtClean="0"/>
-              <a:t>25-08-2023</a:t>
+              <a:t>16-10-2023</a:t>
             </a:fld>
             <a:endParaRPr lang="nl-NL"/>
           </a:p>
@@ -2378,7 +2299,7 @@
           <a:p>
             <a:fld id="{DBA3E7B4-B031-428C-A875-F1315D524DB8}" type="slidenum">
               <a:rPr lang="nl-NL" smtClean="0"/>
-              <a:t>‹nr.›</a:t>
+              <a:t>‹#›</a:t>
             </a:fld>
             <a:endParaRPr lang="nl-NL"/>
           </a:p>
@@ -2454,7 +2375,7 @@
           <a:p>
             <a:fld id="{7758815F-D99B-4B41-95A2-A0AEC8FACC43}" type="datetimeFigureOut">
               <a:rPr lang="nl-NL" smtClean="0"/>
-              <a:t>25-08-2023</a:t>
+              <a:t>16-10-2023</a:t>
             </a:fld>
             <a:endParaRPr lang="nl-NL"/>
           </a:p>
@@ -2496,7 +2417,7 @@
           <a:p>
             <a:fld id="{DBA3E7B4-B031-428C-A875-F1315D524DB8}" type="slidenum">
               <a:rPr lang="nl-NL" smtClean="0"/>
-              <a:t>‹nr.›</a:t>
+              <a:t>‹#›</a:t>
             </a:fld>
             <a:endParaRPr lang="nl-NL"/>
           </a:p>
@@ -2549,7 +2470,7 @@
           <a:p>
             <a:fld id="{7758815F-D99B-4B41-95A2-A0AEC8FACC43}" type="datetimeFigureOut">
               <a:rPr lang="nl-NL" smtClean="0"/>
-              <a:t>25-08-2023</a:t>
+              <a:t>16-10-2023</a:t>
             </a:fld>
             <a:endParaRPr lang="nl-NL"/>
           </a:p>
@@ -2591,7 +2512,7 @@
           <a:p>
             <a:fld id="{DBA3E7B4-B031-428C-A875-F1315D524DB8}" type="slidenum">
               <a:rPr lang="nl-NL" smtClean="0"/>
-              <a:t>‹nr.›</a:t>
+              <a:t>‹#›</a:t>
             </a:fld>
             <a:endParaRPr lang="nl-NL"/>
           </a:p>
@@ -2639,8 +2560,8 @@
         </p:nvSpPr>
         <p:spPr>
           <a:xfrm>
-            <a:off x="457200" y="273050"/>
-            <a:ext cx="3008313" cy="1162050"/>
+            <a:off x="609601" y="273050"/>
+            <a:ext cx="4011084" cy="1162050"/>
           </a:xfrm>
         </p:spPr>
         <p:txBody>
@@ -2671,8 +2592,8 @@
         </p:nvSpPr>
         <p:spPr>
           <a:xfrm>
-            <a:off x="3575050" y="273050"/>
-            <a:ext cx="5111750" cy="5853113"/>
+            <a:off x="4766733" y="273051"/>
+            <a:ext cx="6815667" cy="5853113"/>
           </a:xfrm>
         </p:spPr>
         <p:txBody>
@@ -2756,8 +2677,8 @@
         </p:nvSpPr>
         <p:spPr>
           <a:xfrm>
-            <a:off x="457200" y="1435100"/>
-            <a:ext cx="3008313" cy="4691063"/>
+            <a:off x="609601" y="1435101"/>
+            <a:ext cx="4011084" cy="4691063"/>
           </a:xfrm>
         </p:spPr>
         <p:txBody>
@@ -2826,7 +2747,7 @@
           <a:p>
             <a:fld id="{7758815F-D99B-4B41-95A2-A0AEC8FACC43}" type="datetimeFigureOut">
               <a:rPr lang="nl-NL" smtClean="0"/>
-              <a:t>25-08-2023</a:t>
+              <a:t>16-10-2023</a:t>
             </a:fld>
             <a:endParaRPr lang="nl-NL"/>
           </a:p>
@@ -2868,7 +2789,7 @@
           <a:p>
             <a:fld id="{DBA3E7B4-B031-428C-A875-F1315D524DB8}" type="slidenum">
               <a:rPr lang="nl-NL" smtClean="0"/>
-              <a:t>‹nr.›</a:t>
+              <a:t>‹#›</a:t>
             </a:fld>
             <a:endParaRPr lang="nl-NL"/>
           </a:p>
@@ -2916,8 +2837,8 @@
         </p:nvSpPr>
         <p:spPr>
           <a:xfrm>
-            <a:off x="1792288" y="4800600"/>
-            <a:ext cx="5486400" cy="566738"/>
+            <a:off x="2389717" y="4800600"/>
+            <a:ext cx="7315200" cy="566738"/>
           </a:xfrm>
         </p:spPr>
         <p:txBody>
@@ -2948,8 +2869,8 @@
         </p:nvSpPr>
         <p:spPr>
           <a:xfrm>
-            <a:off x="1792288" y="612775"/>
-            <a:ext cx="5486400" cy="4114800"/>
+            <a:off x="2389717" y="612775"/>
+            <a:ext cx="7315200" cy="4114800"/>
           </a:xfrm>
         </p:spPr>
         <p:txBody>
@@ -3009,8 +2930,8 @@
         </p:nvSpPr>
         <p:spPr>
           <a:xfrm>
-            <a:off x="1792288" y="5367338"/>
-            <a:ext cx="5486400" cy="804862"/>
+            <a:off x="2389717" y="5367338"/>
+            <a:ext cx="7315200" cy="804862"/>
           </a:xfrm>
         </p:spPr>
         <p:txBody>
@@ -3079,7 +3000,7 @@
           <a:p>
             <a:fld id="{7758815F-D99B-4B41-95A2-A0AEC8FACC43}" type="datetimeFigureOut">
               <a:rPr lang="nl-NL" smtClean="0"/>
-              <a:t>25-08-2023</a:t>
+              <a:t>16-10-2023</a:t>
             </a:fld>
             <a:endParaRPr lang="nl-NL"/>
           </a:p>
@@ -3121,7 +3042,7 @@
           <a:p>
             <a:fld id="{DBA3E7B4-B031-428C-A875-F1315D524DB8}" type="slidenum">
               <a:rPr lang="nl-NL" smtClean="0"/>
-              <a:t>‹nr.›</a:t>
+              <a:t>‹#›</a:t>
             </a:fld>
             <a:endParaRPr lang="nl-NL"/>
           </a:p>
@@ -3174,8 +3095,8 @@
         </p:nvSpPr>
         <p:spPr>
           <a:xfrm>
-            <a:off x="457200" y="274638"/>
-            <a:ext cx="8229600" cy="1143000"/>
+            <a:off x="609600" y="274638"/>
+            <a:ext cx="10972800" cy="1143000"/>
           </a:xfrm>
           <a:prstGeom prst="rect">
             <a:avLst/>
@@ -3207,8 +3128,8 @@
         </p:nvSpPr>
         <p:spPr>
           <a:xfrm>
-            <a:off x="457200" y="1600200"/>
-            <a:ext cx="8229600" cy="4525963"/>
+            <a:off x="609600" y="1600201"/>
+            <a:ext cx="10972800" cy="4525963"/>
           </a:xfrm>
           <a:prstGeom prst="rect">
             <a:avLst/>
@@ -3269,8 +3190,8 @@
         </p:nvSpPr>
         <p:spPr>
           <a:xfrm>
-            <a:off x="457200" y="6356350"/>
-            <a:ext cx="2133600" cy="365125"/>
+            <a:off x="609600" y="6356351"/>
+            <a:ext cx="2844800" cy="365125"/>
           </a:xfrm>
           <a:prstGeom prst="rect">
             <a:avLst/>
@@ -3292,7 +3213,7 @@
           <a:p>
             <a:fld id="{7758815F-D99B-4B41-95A2-A0AEC8FACC43}" type="datetimeFigureOut">
               <a:rPr lang="nl-NL" smtClean="0"/>
-              <a:t>25-08-2023</a:t>
+              <a:t>16-10-2023</a:t>
             </a:fld>
             <a:endParaRPr lang="nl-NL"/>
           </a:p>
@@ -3310,8 +3231,8 @@
         </p:nvSpPr>
         <p:spPr>
           <a:xfrm>
-            <a:off x="3124200" y="6356350"/>
-            <a:ext cx="2895600" cy="365125"/>
+            <a:off x="4165600" y="6356351"/>
+            <a:ext cx="3860800" cy="365125"/>
           </a:xfrm>
           <a:prstGeom prst="rect">
             <a:avLst/>
@@ -3347,8 +3268,8 @@
         </p:nvSpPr>
         <p:spPr>
           <a:xfrm>
-            <a:off x="6553200" y="6356350"/>
-            <a:ext cx="2133600" cy="365125"/>
+            <a:off x="8737600" y="6356351"/>
+            <a:ext cx="2844800" cy="365125"/>
           </a:xfrm>
           <a:prstGeom prst="rect">
             <a:avLst/>
@@ -3370,7 +3291,7 @@
           <a:p>
             <a:fld id="{DBA3E7B4-B031-428C-A875-F1315D524DB8}" type="slidenum">
               <a:rPr lang="nl-NL" smtClean="0"/>
-              <a:t>‹nr.›</a:t>
+              <a:t>‹#›</a:t>
             </a:fld>
             <a:endParaRPr lang="nl-NL"/>
           </a:p>
@@ -3796,7 +3717,7 @@
         </p:nvSpPr>
         <p:spPr>
           <a:xfrm>
-            <a:off x="457200" y="274638"/>
+            <a:off x="1981200" y="274638"/>
             <a:ext cx="8229600" cy="850106"/>
           </a:xfrm>
         </p:spPr>
@@ -3823,7 +3744,7 @@
         </p:nvSpPr>
         <p:spPr>
           <a:xfrm>
-            <a:off x="457200" y="1412776"/>
+            <a:off x="1981200" y="1412776"/>
             <a:ext cx="8229600" cy="5112568"/>
           </a:xfrm>
         </p:spPr>
@@ -4336,7 +4257,7 @@
         </p:nvSpPr>
         <p:spPr>
           <a:xfrm>
-            <a:off x="457200" y="1412776"/>
+            <a:off x="1981200" y="1412776"/>
             <a:ext cx="8229600" cy="5112568"/>
           </a:xfrm>
         </p:spPr>
@@ -4503,7 +4424,7 @@
         </p:nvCxnSpPr>
         <p:spPr>
           <a:xfrm>
-            <a:off x="7236296" y="1916832"/>
+            <a:off x="8760296" y="1916832"/>
             <a:ext cx="72008" cy="3744416"/>
           </a:xfrm>
           <a:prstGeom prst="line">
@@ -4538,7 +4459,7 @@
         </p:nvSpPr>
         <p:spPr>
           <a:xfrm>
-            <a:off x="6876256" y="5661248"/>
+            <a:off x="8400256" y="5661248"/>
             <a:ext cx="1944216" cy="369332"/>
           </a:xfrm>
           <a:prstGeom prst="rect">
@@ -4568,7 +4489,7 @@
         </p:nvSpPr>
         <p:spPr>
           <a:xfrm>
-            <a:off x="6660232" y="1547500"/>
+            <a:off x="8184232" y="1547500"/>
             <a:ext cx="1944216" cy="369332"/>
           </a:xfrm>
           <a:prstGeom prst="rect">
@@ -4961,7 +4882,7 @@
         </p:nvSpPr>
         <p:spPr>
           <a:xfrm>
-            <a:off x="457200" y="274638"/>
+            <a:off x="1981200" y="274638"/>
             <a:ext cx="8229600" cy="850106"/>
           </a:xfrm>
         </p:spPr>
@@ -4988,7 +4909,7 @@
         </p:nvSpPr>
         <p:spPr>
           <a:xfrm>
-            <a:off x="457200" y="1484784"/>
+            <a:off x="1981200" y="1484784"/>
             <a:ext cx="8507288" cy="5040560"/>
           </a:xfrm>
         </p:spPr>
@@ -5098,7 +5019,7 @@
         </p:nvSpPr>
         <p:spPr>
           <a:xfrm>
-            <a:off x="457200" y="274638"/>
+            <a:off x="1981200" y="274638"/>
             <a:ext cx="8229600" cy="850106"/>
           </a:xfrm>
         </p:spPr>
@@ -5127,7 +5048,7 @@
         </p:nvSpPr>
         <p:spPr>
           <a:xfrm>
-            <a:off x="457200" y="1484784"/>
+            <a:off x="1981200" y="1484784"/>
             <a:ext cx="8363272" cy="4824536"/>
           </a:xfrm>
         </p:spPr>
@@ -5425,7 +5346,7 @@
         </p:nvSpPr>
         <p:spPr>
           <a:xfrm>
-            <a:off x="4010508" y="1600200"/>
+            <a:off x="5534508" y="1600201"/>
             <a:ext cx="4676292" cy="4525963"/>
           </a:xfrm>
         </p:spPr>
@@ -5451,7 +5372,7 @@
         </p:nvSpPr>
         <p:spPr>
           <a:xfrm>
-            <a:off x="1047836" y="5382098"/>
+            <a:off x="2571836" y="5382099"/>
             <a:ext cx="1728192" cy="646331"/>
           </a:xfrm>
           <a:prstGeom prst="rect">
@@ -5481,10 +5402,10 @@
         </p:nvGrpSpPr>
         <p:grpSpPr>
           <a:xfrm>
-            <a:off x="971600" y="2492896"/>
-            <a:ext cx="4752528" cy="3742675"/>
+            <a:off x="2495600" y="2492897"/>
+            <a:ext cx="4752528" cy="3428526"/>
             <a:chOff x="971600" y="3717032"/>
-            <a:chExt cx="3456384" cy="2518539"/>
+            <a:chExt cx="3456384" cy="2307140"/>
           </a:xfrm>
         </p:grpSpPr>
         <p:sp>
@@ -5496,7 +5417,7 @@
           <p:spPr>
             <a:xfrm>
               <a:off x="971600" y="3717032"/>
-              <a:ext cx="1728192" cy="646331"/>
+              <a:ext cx="1728192" cy="434932"/>
             </a:xfrm>
             <a:prstGeom prst="rect">
               <a:avLst/>
@@ -5526,7 +5447,7 @@
           <p:spPr>
             <a:xfrm>
               <a:off x="2699792" y="5589240"/>
-              <a:ext cx="1728192" cy="646331"/>
+              <a:ext cx="1728192" cy="434932"/>
             </a:xfrm>
             <a:prstGeom prst="rect">
               <a:avLst/>
@@ -5556,7 +5477,7 @@
           <p:spPr>
             <a:xfrm>
               <a:off x="2699792" y="3744769"/>
-              <a:ext cx="1728192" cy="646331"/>
+              <a:ext cx="1728192" cy="434932"/>
             </a:xfrm>
             <a:prstGeom prst="rect">
               <a:avLst/>
@@ -5709,7 +5630,7 @@
         </p:nvSpPr>
         <p:spPr>
           <a:xfrm>
-            <a:off x="4010508" y="1600200"/>
+            <a:off x="5534508" y="1600201"/>
             <a:ext cx="4676292" cy="4525963"/>
           </a:xfrm>
         </p:spPr>
@@ -5761,7 +5682,7 @@
         </p:nvSpPr>
         <p:spPr>
           <a:xfrm>
-            <a:off x="1047836" y="5382098"/>
+            <a:off x="2571836" y="5382099"/>
             <a:ext cx="1728192" cy="646331"/>
           </a:xfrm>
           <a:prstGeom prst="rect">
@@ -5791,10 +5712,10 @@
         </p:nvGrpSpPr>
         <p:grpSpPr>
           <a:xfrm>
-            <a:off x="3347864" y="2534114"/>
-            <a:ext cx="2376264" cy="3701456"/>
+            <a:off x="4871864" y="2534116"/>
+            <a:ext cx="2376264" cy="3387307"/>
             <a:chOff x="2699792" y="3744769"/>
-            <a:chExt cx="1728192" cy="2490802"/>
+            <a:chExt cx="1728192" cy="2279403"/>
           </a:xfrm>
         </p:grpSpPr>
         <p:sp>
@@ -5806,7 +5727,7 @@
           <p:spPr>
             <a:xfrm>
               <a:off x="2699792" y="5589240"/>
-              <a:ext cx="1728192" cy="646331"/>
+              <a:ext cx="1728192" cy="434932"/>
             </a:xfrm>
             <a:prstGeom prst="rect">
               <a:avLst/>
@@ -5836,7 +5757,7 @@
           <p:spPr>
             <a:xfrm>
               <a:off x="2699792" y="3744769"/>
-              <a:ext cx="1728192" cy="646331"/>
+              <a:ext cx="1728192" cy="434932"/>
             </a:xfrm>
             <a:prstGeom prst="rect">
               <a:avLst/>
@@ -5907,7 +5828,7 @@
         </p:nvCxnSpPr>
         <p:spPr>
           <a:xfrm flipH="1" flipV="1">
-            <a:off x="1577499" y="5661248"/>
+            <a:off x="3101499" y="5661249"/>
             <a:ext cx="1762162" cy="1"/>
           </a:xfrm>
           <a:prstGeom prst="line">
@@ -5997,7 +5918,7 @@
         </p:nvSpPr>
         <p:spPr>
           <a:xfrm>
-            <a:off x="4010508" y="1600200"/>
+            <a:off x="5534508" y="1600201"/>
             <a:ext cx="4676292" cy="4525963"/>
           </a:xfrm>
         </p:spPr>
@@ -6049,7 +5970,7 @@
         </p:nvSpPr>
         <p:spPr>
           <a:xfrm>
-            <a:off x="1047836" y="5382098"/>
+            <a:off x="2571836" y="5382099"/>
             <a:ext cx="1728192" cy="646331"/>
           </a:xfrm>
           <a:prstGeom prst="rect">
@@ -6079,10 +6000,10 @@
         </p:nvGrpSpPr>
         <p:grpSpPr>
           <a:xfrm>
-            <a:off x="971600" y="2492896"/>
-            <a:ext cx="4752528" cy="3742675"/>
+            <a:off x="2495600" y="2492897"/>
+            <a:ext cx="4752528" cy="3428526"/>
             <a:chOff x="971600" y="3717032"/>
-            <a:chExt cx="3456384" cy="2518539"/>
+            <a:chExt cx="3456384" cy="2307140"/>
           </a:xfrm>
         </p:grpSpPr>
         <p:sp>
@@ -6094,7 +6015,7 @@
           <p:spPr>
             <a:xfrm>
               <a:off x="971600" y="3717032"/>
-              <a:ext cx="1728192" cy="646331"/>
+              <a:ext cx="1728192" cy="434932"/>
             </a:xfrm>
             <a:prstGeom prst="rect">
               <a:avLst/>
@@ -6124,7 +6045,7 @@
           <p:spPr>
             <a:xfrm>
               <a:off x="2699792" y="5589240"/>
-              <a:ext cx="1728192" cy="646331"/>
+              <a:ext cx="1728192" cy="434932"/>
             </a:xfrm>
             <a:prstGeom prst="rect">
               <a:avLst/>
@@ -6154,7 +6075,7 @@
           <p:spPr>
             <a:xfrm>
               <a:off x="2699792" y="3744769"/>
-              <a:ext cx="1728192" cy="646331"/>
+              <a:ext cx="1728192" cy="434932"/>
             </a:xfrm>
             <a:prstGeom prst="rect">
               <a:avLst/>
@@ -6340,7 +6261,7 @@
         </p:nvSpPr>
         <p:spPr>
           <a:xfrm>
-            <a:off x="4010508" y="1600200"/>
+            <a:off x="5534508" y="1600201"/>
             <a:ext cx="4676292" cy="4525963"/>
           </a:xfrm>
         </p:spPr>
@@ -6388,7 +6309,7 @@
         </p:nvSpPr>
         <p:spPr>
           <a:xfrm>
-            <a:off x="1047836" y="5382098"/>
+            <a:off x="2571836" y="5382099"/>
             <a:ext cx="1728192" cy="646331"/>
           </a:xfrm>
           <a:prstGeom prst="rect">
@@ -6418,10 +6339,10 @@
         </p:nvGrpSpPr>
         <p:grpSpPr>
           <a:xfrm>
-            <a:off x="899592" y="2492896"/>
-            <a:ext cx="4752528" cy="3742675"/>
+            <a:off x="2423592" y="2492897"/>
+            <a:ext cx="4752528" cy="3428526"/>
             <a:chOff x="971600" y="3717032"/>
-            <a:chExt cx="3456384" cy="2518539"/>
+            <a:chExt cx="3456384" cy="2307140"/>
           </a:xfrm>
         </p:grpSpPr>
         <p:sp>
@@ -6433,7 +6354,7 @@
           <p:spPr>
             <a:xfrm>
               <a:off x="971600" y="3717032"/>
-              <a:ext cx="1728192" cy="646331"/>
+              <a:ext cx="1728192" cy="434932"/>
             </a:xfrm>
             <a:prstGeom prst="rect">
               <a:avLst/>
@@ -6463,7 +6384,7 @@
           <p:spPr>
             <a:xfrm>
               <a:off x="2699792" y="5589240"/>
-              <a:ext cx="1728192" cy="646331"/>
+              <a:ext cx="1728192" cy="434932"/>
             </a:xfrm>
             <a:prstGeom prst="rect">
               <a:avLst/>
@@ -6493,7 +6414,7 @@
           <p:spPr>
             <a:xfrm>
               <a:off x="2699792" y="3744769"/>
-              <a:ext cx="1728192" cy="646331"/>
+              <a:ext cx="1728192" cy="434932"/>
             </a:xfrm>
             <a:prstGeom prst="rect">
               <a:avLst/>
@@ -7104,7 +7025,7 @@
         </p:nvSpPr>
         <p:spPr>
           <a:xfrm>
-            <a:off x="957028" y="5661248"/>
+            <a:off x="2481028" y="5661249"/>
             <a:ext cx="1728192" cy="646331"/>
           </a:xfrm>
           <a:prstGeom prst="rect">
@@ -7134,7 +7055,7 @@
         </p:nvSpPr>
         <p:spPr>
           <a:xfrm>
-            <a:off x="4644008" y="3906922"/>
+            <a:off x="6168008" y="3906923"/>
             <a:ext cx="3672408" cy="2031325"/>
           </a:xfrm>
           <a:prstGeom prst="rect">
@@ -7216,7 +7137,7 @@
         </p:nvGrpSpPr>
         <p:grpSpPr>
           <a:xfrm>
-            <a:off x="971600" y="3717032"/>
+            <a:off x="2495600" y="3717033"/>
             <a:ext cx="3456384" cy="2518539"/>
             <a:chOff x="971600" y="3717032"/>
             <a:chExt cx="3456384" cy="2518539"/>
@@ -7622,7 +7543,7 @@
         </p:nvSpPr>
         <p:spPr>
           <a:xfrm>
-            <a:off x="971600" y="3717032"/>
+            <a:off x="2495600" y="3717033"/>
             <a:ext cx="1728192" cy="646331"/>
           </a:xfrm>
           <a:prstGeom prst="rect">
@@ -7652,7 +7573,7 @@
         </p:nvSpPr>
         <p:spPr>
           <a:xfrm>
-            <a:off x="957028" y="5661248"/>
+            <a:off x="2481028" y="5661249"/>
             <a:ext cx="1728192" cy="646331"/>
           </a:xfrm>
           <a:prstGeom prst="rect">
@@ -7682,7 +7603,7 @@
         </p:nvSpPr>
         <p:spPr>
           <a:xfrm>
-            <a:off x="2699792" y="5589240"/>
+            <a:off x="4223792" y="5589241"/>
             <a:ext cx="1728192" cy="646331"/>
           </a:xfrm>
           <a:prstGeom prst="rect">
@@ -7712,7 +7633,7 @@
         </p:nvSpPr>
         <p:spPr>
           <a:xfrm>
-            <a:off x="2699792" y="3744769"/>
+            <a:off x="4223792" y="3744770"/>
             <a:ext cx="1728192" cy="646331"/>
           </a:xfrm>
           <a:prstGeom prst="rect">
@@ -7742,7 +7663,7 @@
         </p:nvCxnSpPr>
         <p:spPr>
           <a:xfrm>
-            <a:off x="1187624" y="4293096"/>
+            <a:off x="2711624" y="4293096"/>
             <a:ext cx="0" cy="1368152"/>
           </a:xfrm>
           <a:prstGeom prst="straightConnector1">
@@ -7775,7 +7696,7 @@
         </p:nvCxnSpPr>
         <p:spPr>
           <a:xfrm>
-            <a:off x="1187624" y="4293096"/>
+            <a:off x="2711624" y="4293096"/>
             <a:ext cx="1584176" cy="1368152"/>
           </a:xfrm>
           <a:prstGeom prst="straightConnector1">
@@ -7808,7 +7729,7 @@
         </p:nvCxnSpPr>
         <p:spPr>
           <a:xfrm>
-            <a:off x="2915816" y="4293096"/>
+            <a:off x="4439816" y="4293096"/>
             <a:ext cx="0" cy="1368152"/>
           </a:xfrm>
           <a:prstGeom prst="straightConnector1">
@@ -7841,7 +7762,7 @@
         </p:nvSpPr>
         <p:spPr>
           <a:xfrm>
-            <a:off x="4644008" y="3906922"/>
+            <a:off x="6168008" y="3906922"/>
             <a:ext cx="3672408" cy="1754326"/>
           </a:xfrm>
           <a:prstGeom prst="rect">
@@ -7921,7 +7842,7 @@
         </p:nvCxnSpPr>
         <p:spPr>
           <a:xfrm flipH="1" flipV="1">
-            <a:off x="1403648" y="5984413"/>
+            <a:off x="2927648" y="5984414"/>
             <a:ext cx="1281572" cy="1"/>
           </a:xfrm>
           <a:prstGeom prst="line">
@@ -8066,7 +7987,7 @@
         </p:nvSpPr>
         <p:spPr>
           <a:xfrm>
-            <a:off x="457200" y="274638"/>
+            <a:off x="1981200" y="274638"/>
             <a:ext cx="8229600" cy="850106"/>
           </a:xfrm>
         </p:spPr>
@@ -8093,7 +8014,7 @@
         </p:nvSpPr>
         <p:spPr>
           <a:xfrm>
-            <a:off x="457200" y="1484784"/>
+            <a:off x="1981200" y="1484784"/>
             <a:ext cx="8229600" cy="4752528"/>
           </a:xfrm>
         </p:spPr>
@@ -8242,7 +8163,7 @@
         </p:nvSpPr>
         <p:spPr>
           <a:xfrm>
-            <a:off x="457200" y="274638"/>
+            <a:off x="1981200" y="274638"/>
             <a:ext cx="8229600" cy="850106"/>
           </a:xfrm>
         </p:spPr>
@@ -8269,7 +8190,7 @@
         </p:nvSpPr>
         <p:spPr>
           <a:xfrm>
-            <a:off x="457200" y="1484784"/>
+            <a:off x="1981200" y="1484784"/>
             <a:ext cx="8686800" cy="4752528"/>
           </a:xfrm>
         </p:spPr>
@@ -8320,15 +8241,15 @@
               </a:spcBef>
             </a:pPr>
             <a:r>
-              <a:rPr lang="en-US" sz="3200" dirty="0"/>
+              <a:rPr lang="en-US" dirty="0"/>
               <a:t>need design weights for unbiased </a:t>
             </a:r>
             <a:r>
-              <a:rPr lang="en-US" sz="3200" dirty="0" err="1"/>
+              <a:rPr lang="en-US" dirty="0" err="1"/>
               <a:t>estimatesSee</a:t>
             </a:r>
             <a:r>
-              <a:rPr lang="en-US" sz="3200" dirty="0"/>
+              <a:rPr lang="en-US" dirty="0"/>
               <a:t> slides for those weeks</a:t>
             </a:r>
           </a:p>
@@ -8339,7 +8260,7 @@
               </a:spcBef>
             </a:pPr>
             <a:r>
-              <a:rPr lang="en-US" sz="3200" dirty="0"/>
+              <a:rPr lang="en-US" dirty="0"/>
               <a:t>Weights not needed if:</a:t>
             </a:r>
           </a:p>
@@ -8373,15 +8294,15 @@
               <a:t>Y</a:t>
             </a:r>
             <a:r>
-              <a:rPr lang="en-US" sz="2800" dirty="0"/>
+              <a:rPr lang="en-US" dirty="0"/>
               <a:t>ou use a HT-estimator (weight = ~</a:t>
             </a:r>
             <a:r>
-              <a:rPr lang="en-US" sz="2800" dirty="0" err="1"/>
+              <a:rPr lang="en-US" dirty="0" err="1"/>
               <a:t>inclusionprobabilities</a:t>
             </a:r>
             <a:r>
-              <a:rPr lang="en-US" sz="2800" dirty="0"/>
+              <a:rPr lang="en-US" dirty="0"/>
               <a:t>) </a:t>
             </a:r>
           </a:p>
@@ -8428,7 +8349,7 @@
       </p:grpSpPr>
       <p:sp>
         <p:nvSpPr>
-          <p:cNvPr id="2" name="Title 1"/>
+          <p:cNvPr id="2" name="Titel 1"/>
           <p:cNvSpPr>
             <a:spLocks noGrp="1"/>
           </p:cNvSpPr>
@@ -8436,16 +8357,225 @@
             <p:ph type="title"/>
           </p:nvPr>
         </p:nvSpPr>
-        <p:spPr/>
+        <p:spPr>
+          <a:xfrm>
+            <a:off x="1981200" y="274638"/>
+            <a:ext cx="8229600" cy="850106"/>
+          </a:xfrm>
+        </p:spPr>
+        <p:txBody>
+          <a:bodyPr/>
+          <a:lstStyle/>
+          <a:p>
+            <a:r>
+              <a:rPr lang="en-US" sz="3600" dirty="0"/>
+              <a:t>Different kinds of weights</a:t>
+            </a:r>
+          </a:p>
+        </p:txBody>
+      </p:sp>
+      <p:sp>
+        <p:nvSpPr>
+          <p:cNvPr id="3" name="Inhaltsplatzhalter 2"/>
+          <p:cNvSpPr>
+            <a:spLocks noGrp="1"/>
+          </p:cNvSpPr>
+          <p:nvPr>
+            <p:ph idx="1"/>
+          </p:nvPr>
+        </p:nvSpPr>
+        <p:spPr>
+          <a:xfrm>
+            <a:off x="1981200" y="1484784"/>
+            <a:ext cx="8229600" cy="4752528"/>
+          </a:xfrm>
+        </p:spPr>
         <p:txBody>
           <a:bodyPr>
             <a:normAutofit/>
           </a:bodyPr>
           <a:lstStyle/>
           <a:p>
+            <a:pPr marL="0" indent="0">
+              <a:spcBef>
+                <a:spcPts val="1800"/>
+              </a:spcBef>
+              <a:buNone/>
+            </a:pPr>
+            <a:r>
+              <a:rPr lang="en-US" dirty="0">
+                <a:solidFill>
+                  <a:srgbClr val="FF0000"/>
+                </a:solidFill>
+              </a:rPr>
+              <a:t>Sampling: </a:t>
+            </a:r>
+            <a:r>
+              <a:rPr lang="en-US" dirty="0"/>
+              <a:t>selection probabilities may differ</a:t>
+            </a:r>
+          </a:p>
+          <a:p>
+            <a:pPr>
+              <a:spcBef>
+                <a:spcPts val="1800"/>
+              </a:spcBef>
+            </a:pPr>
+            <a:r>
+              <a:rPr lang="en-US" sz="2400" dirty="0"/>
+              <a:t> also known as (aka) design weights</a:t>
+            </a:r>
+          </a:p>
+          <a:p>
+            <a:pPr marL="0" indent="0">
+              <a:spcBef>
+                <a:spcPts val="1800"/>
+              </a:spcBef>
+              <a:buNone/>
+            </a:pPr>
+            <a:r>
+              <a:rPr lang="en-US" dirty="0">
+                <a:solidFill>
+                  <a:srgbClr val="FF0000"/>
+                </a:solidFill>
+              </a:rPr>
+              <a:t>Nonresponse weights</a:t>
+            </a:r>
+          </a:p>
+          <a:p>
+            <a:pPr>
+              <a:spcBef>
+                <a:spcPts val="1800"/>
+              </a:spcBef>
+            </a:pPr>
+            <a:r>
+              <a:rPr lang="en-US" sz="2400" dirty="0">
+                <a:solidFill>
+                  <a:srgbClr val="FF0000"/>
+                </a:solidFill>
+              </a:rPr>
+              <a:t>Nonresponse: </a:t>
+            </a:r>
+            <a:r>
+              <a:rPr lang="en-US" sz="2400" dirty="0"/>
+              <a:t>not all people in sample will end up in data</a:t>
+            </a:r>
+          </a:p>
+          <a:p>
+            <a:pPr lvl="1">
+              <a:spcBef>
+                <a:spcPts val="1800"/>
+              </a:spcBef>
+            </a:pPr>
+            <a:r>
+              <a:rPr lang="en-US" sz="2000" dirty="0">
+                <a:solidFill>
+                  <a:srgbClr val="FF0000"/>
+                </a:solidFill>
+              </a:rPr>
+              <a:t> + Coverage: </a:t>
+            </a:r>
+            <a:r>
+              <a:rPr lang="en-US" sz="2000" dirty="0"/>
+              <a:t>sampling list may not cover target population</a:t>
+            </a:r>
+          </a:p>
+          <a:p>
+            <a:pPr>
+              <a:spcBef>
+                <a:spcPts val="1800"/>
+              </a:spcBef>
+            </a:pPr>
+            <a:r>
+              <a:rPr lang="en-US" sz="2400" dirty="0"/>
+              <a:t>Aka adjustment weights</a:t>
+            </a:r>
+          </a:p>
+          <a:p>
+            <a:pPr marL="0" indent="0">
+              <a:spcBef>
+                <a:spcPts val="1800"/>
+              </a:spcBef>
+              <a:buNone/>
+            </a:pPr>
+            <a:r>
+              <a:rPr lang="en-US" dirty="0">
+                <a:solidFill>
+                  <a:srgbClr val="FF0000"/>
+                </a:solidFill>
+              </a:rPr>
+              <a:t>Analysis weights </a:t>
+            </a:r>
+            <a:r>
+              <a:rPr lang="en-US" sz="2400" dirty="0">
+                <a:solidFill>
+                  <a:srgbClr val="FF0000"/>
+                </a:solidFill>
+              </a:rPr>
+              <a:t>= sampling weight * nonresponse weight</a:t>
+            </a:r>
+          </a:p>
+          <a:p>
+            <a:endParaRPr lang="en-US" dirty="0"/>
+          </a:p>
+          <a:p>
+            <a:endParaRPr lang="en-US" dirty="0"/>
+          </a:p>
+          <a:p>
+            <a:endParaRPr lang="en-US" dirty="0"/>
+          </a:p>
+        </p:txBody>
+      </p:sp>
+    </p:spTree>
+    <p:extLst>
+      <p:ext uri="{BB962C8B-B14F-4D97-AF65-F5344CB8AC3E}">
+        <p14:creationId xmlns:p14="http://schemas.microsoft.com/office/powerpoint/2010/main" val="2702011193"/>
+      </p:ext>
+    </p:extLst>
+  </p:cSld>
+  <p:clrMapOvr>
+    <a:masterClrMapping/>
+  </p:clrMapOvr>
+</p:sld>
+</file>
+
+<file path=ppt/slides/slide26.xml><?xml version="1.0" encoding="utf-8"?>
+<p:sld xmlns:a="http://schemas.openxmlformats.org/drawingml/2006/main" xmlns:r="http://schemas.openxmlformats.org/officeDocument/2006/relationships" xmlns:p="http://schemas.openxmlformats.org/presentationml/2006/main">
+  <p:cSld>
+    <p:spTree>
+      <p:nvGrpSpPr>
+        <p:cNvPr id="1" name=""/>
+        <p:cNvGrpSpPr/>
+        <p:nvPr/>
+      </p:nvGrpSpPr>
+      <p:grpSpPr>
+        <a:xfrm>
+          <a:off x="0" y="0"/>
+          <a:ext cx="0" cy="0"/>
+          <a:chOff x="0" y="0"/>
+          <a:chExt cx="0" cy="0"/>
+        </a:xfrm>
+      </p:grpSpPr>
+      <p:sp>
+        <p:nvSpPr>
+          <p:cNvPr id="2" name="Title 1"/>
+          <p:cNvSpPr>
+            <a:spLocks noGrp="1"/>
+          </p:cNvSpPr>
+          <p:nvPr>
+            <p:ph type="title"/>
+          </p:nvPr>
+        </p:nvSpPr>
+        <p:spPr/>
+        <p:txBody>
+          <a:bodyPr>
+            <a:normAutofit/>
+          </a:bodyPr>
+          <a:lstStyle/>
+          <a:p>
             <a:r>
               <a:rPr lang="en-US" sz="4000" dirty="0"/>
-              <a:t>The idea behind weighting</a:t>
+              <a:t>The idea behind NR weighting</a:t>
             </a:r>
             <a:endParaRPr lang="nl-NL" sz="4000" dirty="0"/>
           </a:p>
@@ -8497,7 +8627,7 @@
         </p:nvGrpSpPr>
         <p:grpSpPr>
           <a:xfrm>
-            <a:off x="957028" y="3717032"/>
+            <a:off x="2481028" y="3717033"/>
             <a:ext cx="3470956" cy="2590547"/>
             <a:chOff x="957028" y="3717032"/>
             <a:chExt cx="3470956" cy="2590547"/>
@@ -8784,149 +8914,6 @@
 </p:sld>
 </file>
 
-<file path=ppt/slides/slide26.xml><?xml version="1.0" encoding="utf-8"?>
-<p:sld xmlns:a="http://schemas.openxmlformats.org/drawingml/2006/main" xmlns:r="http://schemas.openxmlformats.org/officeDocument/2006/relationships" xmlns:p="http://schemas.openxmlformats.org/presentationml/2006/main">
-  <p:cSld>
-    <p:spTree>
-      <p:nvGrpSpPr>
-        <p:cNvPr id="1" name=""/>
-        <p:cNvGrpSpPr/>
-        <p:nvPr/>
-      </p:nvGrpSpPr>
-      <p:grpSpPr>
-        <a:xfrm>
-          <a:off x="0" y="0"/>
-          <a:ext cx="0" cy="0"/>
-          <a:chOff x="0" y="0"/>
-          <a:chExt cx="0" cy="0"/>
-        </a:xfrm>
-      </p:grpSpPr>
-      <p:sp>
-        <p:nvSpPr>
-          <p:cNvPr id="2" name="Title 1">
-            <a:extLst>
-              <a:ext uri="{FF2B5EF4-FFF2-40B4-BE49-F238E27FC236}">
-                <a16:creationId xmlns:a16="http://schemas.microsoft.com/office/drawing/2014/main" id="{355CFEE4-7B69-4132-9110-6656EF176F59}"/>
-              </a:ext>
-            </a:extLst>
-          </p:cNvPr>
-          <p:cNvSpPr>
-            <a:spLocks noGrp="1"/>
-          </p:cNvSpPr>
-          <p:nvPr>
-            <p:ph type="title"/>
-          </p:nvPr>
-        </p:nvSpPr>
-        <p:spPr/>
-        <p:txBody>
-          <a:bodyPr/>
-          <a:lstStyle/>
-          <a:p>
-            <a:r>
-              <a:rPr lang="en-US" dirty="0"/>
-              <a:t>Population level data?</a:t>
-            </a:r>
-            <a:endParaRPr lang="nl-NL" dirty="0"/>
-          </a:p>
-        </p:txBody>
-      </p:sp>
-      <p:sp>
-        <p:nvSpPr>
-          <p:cNvPr id="3" name="Content Placeholder 2">
-            <a:extLst>
-              <a:ext uri="{FF2B5EF4-FFF2-40B4-BE49-F238E27FC236}">
-                <a16:creationId xmlns:a16="http://schemas.microsoft.com/office/drawing/2014/main" id="{D0992CEB-D1D0-4DED-AC54-29C6599A388C}"/>
-              </a:ext>
-            </a:extLst>
-          </p:cNvPr>
-          <p:cNvSpPr>
-            <a:spLocks noGrp="1"/>
-          </p:cNvSpPr>
-          <p:nvPr>
-            <p:ph idx="1"/>
-          </p:nvPr>
-        </p:nvSpPr>
-        <p:spPr/>
-        <p:txBody>
-          <a:bodyPr/>
-          <a:lstStyle/>
-          <a:p>
-            <a:pPr marL="0" indent="0">
-              <a:buNone/>
-            </a:pPr>
-            <a:r>
-              <a:rPr lang="en-US" dirty="0"/>
-              <a:t>1. Sampling frame (nonresponse)</a:t>
-            </a:r>
-          </a:p>
-          <a:p>
-            <a:pPr lvl="1"/>
-            <a:r>
-              <a:rPr lang="en-US" dirty="0"/>
-              <a:t>Address.</a:t>
-            </a:r>
-          </a:p>
-          <a:p>
-            <a:pPr lvl="2"/>
-            <a:r>
-              <a:rPr lang="en-US" dirty="0"/>
-              <a:t>Can be enriched (e.g. use google </a:t>
-            </a:r>
-            <a:r>
-              <a:rPr lang="en-US" dirty="0" err="1"/>
-              <a:t>streetview</a:t>
-            </a:r>
-            <a:r>
-              <a:rPr lang="en-US" dirty="0"/>
-              <a:t>)</a:t>
-            </a:r>
-          </a:p>
-          <a:p>
-            <a:pPr lvl="1"/>
-            <a:r>
-              <a:rPr lang="en-US" dirty="0"/>
-              <a:t>Statistics Netherlands: admin data</a:t>
-            </a:r>
-          </a:p>
-          <a:p>
-            <a:r>
-              <a:rPr lang="en-US" dirty="0"/>
-              <a:t>2. Population level statistics (coverage + NR)</a:t>
-            </a:r>
-          </a:p>
-          <a:p>
-            <a:pPr lvl="1"/>
-            <a:r>
-              <a:rPr lang="en-US" dirty="0"/>
-              <a:t>Gender (50/50), age, income, region, nationality</a:t>
-            </a:r>
-          </a:p>
-          <a:p>
-            <a:pPr lvl="1"/>
-            <a:r>
-              <a:rPr lang="en-US" dirty="0"/>
-              <a:t>Next week…</a:t>
-            </a:r>
-          </a:p>
-          <a:p>
-            <a:pPr lvl="1"/>
-            <a:endParaRPr lang="en-US" dirty="0"/>
-          </a:p>
-        </p:txBody>
-      </p:sp>
-    </p:spTree>
-    <p:extLst>
-      <p:ext uri="{BB962C8B-B14F-4D97-AF65-F5344CB8AC3E}">
-        <p14:creationId xmlns:p14="http://schemas.microsoft.com/office/powerpoint/2010/main" val="3625656529"/>
-      </p:ext>
-    </p:extLst>
-  </p:cSld>
-  <p:clrMapOvr>
-    <a:masterClrMapping/>
-  </p:clrMapOvr>
-</p:sld>
-</file>
-
 <file path=ppt/slides/slide27.xml><?xml version="1.0" encoding="utf-8"?>
 <p:sld xmlns:a="http://schemas.openxmlformats.org/drawingml/2006/main" xmlns:r="http://schemas.openxmlformats.org/officeDocument/2006/relationships" xmlns:p="http://schemas.openxmlformats.org/presentationml/2006/main">
   <p:cSld>
@@ -8946,6 +8933,149 @@
       </p:grpSpPr>
       <p:sp>
         <p:nvSpPr>
+          <p:cNvPr id="2" name="Title 1">
+            <a:extLst>
+              <a:ext uri="{FF2B5EF4-FFF2-40B4-BE49-F238E27FC236}">
+                <a16:creationId xmlns:a16="http://schemas.microsoft.com/office/drawing/2014/main" id="{355CFEE4-7B69-4132-9110-6656EF176F59}"/>
+              </a:ext>
+            </a:extLst>
+          </p:cNvPr>
+          <p:cNvSpPr>
+            <a:spLocks noGrp="1"/>
+          </p:cNvSpPr>
+          <p:nvPr>
+            <p:ph type="title"/>
+          </p:nvPr>
+        </p:nvSpPr>
+        <p:spPr/>
+        <p:txBody>
+          <a:bodyPr/>
+          <a:lstStyle/>
+          <a:p>
+            <a:r>
+              <a:rPr lang="en-US" dirty="0"/>
+              <a:t>Population level data?</a:t>
+            </a:r>
+            <a:endParaRPr lang="nl-NL" dirty="0"/>
+          </a:p>
+        </p:txBody>
+      </p:sp>
+      <p:sp>
+        <p:nvSpPr>
+          <p:cNvPr id="3" name="Content Placeholder 2">
+            <a:extLst>
+              <a:ext uri="{FF2B5EF4-FFF2-40B4-BE49-F238E27FC236}">
+                <a16:creationId xmlns:a16="http://schemas.microsoft.com/office/drawing/2014/main" id="{D0992CEB-D1D0-4DED-AC54-29C6599A388C}"/>
+              </a:ext>
+            </a:extLst>
+          </p:cNvPr>
+          <p:cNvSpPr>
+            <a:spLocks noGrp="1"/>
+          </p:cNvSpPr>
+          <p:nvPr>
+            <p:ph idx="1"/>
+          </p:nvPr>
+        </p:nvSpPr>
+        <p:spPr/>
+        <p:txBody>
+          <a:bodyPr/>
+          <a:lstStyle/>
+          <a:p>
+            <a:pPr marL="0" indent="0">
+              <a:buNone/>
+            </a:pPr>
+            <a:r>
+              <a:rPr lang="en-US" dirty="0"/>
+              <a:t>1. Sampling frame (nonresponse)</a:t>
+            </a:r>
+          </a:p>
+          <a:p>
+            <a:pPr lvl="1"/>
+            <a:r>
+              <a:rPr lang="en-US" dirty="0"/>
+              <a:t>Address.</a:t>
+            </a:r>
+          </a:p>
+          <a:p>
+            <a:pPr lvl="2"/>
+            <a:r>
+              <a:rPr lang="en-US" dirty="0"/>
+              <a:t>Can be enriched (e.g. use google </a:t>
+            </a:r>
+            <a:r>
+              <a:rPr lang="en-US" dirty="0" err="1"/>
+              <a:t>streetview</a:t>
+            </a:r>
+            <a:r>
+              <a:rPr lang="en-US" dirty="0"/>
+              <a:t>)</a:t>
+            </a:r>
+          </a:p>
+          <a:p>
+            <a:pPr lvl="1"/>
+            <a:r>
+              <a:rPr lang="en-US" dirty="0"/>
+              <a:t>Statistics Netherlands: admin data</a:t>
+            </a:r>
+          </a:p>
+          <a:p>
+            <a:r>
+              <a:rPr lang="en-US" dirty="0"/>
+              <a:t>2. Population level statistics (coverage + NR)</a:t>
+            </a:r>
+          </a:p>
+          <a:p>
+            <a:pPr lvl="1"/>
+            <a:r>
+              <a:rPr lang="en-US" dirty="0"/>
+              <a:t>Gender (50/50), age, income, region, nationality</a:t>
+            </a:r>
+          </a:p>
+          <a:p>
+            <a:pPr lvl="1"/>
+            <a:r>
+              <a:rPr lang="en-US" dirty="0"/>
+              <a:t>Next week…</a:t>
+            </a:r>
+          </a:p>
+          <a:p>
+            <a:pPr lvl="1"/>
+            <a:endParaRPr lang="en-US" dirty="0"/>
+          </a:p>
+        </p:txBody>
+      </p:sp>
+    </p:spTree>
+    <p:extLst>
+      <p:ext uri="{BB962C8B-B14F-4D97-AF65-F5344CB8AC3E}">
+        <p14:creationId xmlns:p14="http://schemas.microsoft.com/office/powerpoint/2010/main" val="3625656529"/>
+      </p:ext>
+    </p:extLst>
+  </p:cSld>
+  <p:clrMapOvr>
+    <a:masterClrMapping/>
+  </p:clrMapOvr>
+</p:sld>
+</file>
+
+<file path=ppt/slides/slide28.xml><?xml version="1.0" encoding="utf-8"?>
+<p:sld xmlns:a="http://schemas.openxmlformats.org/drawingml/2006/main" xmlns:r="http://schemas.openxmlformats.org/officeDocument/2006/relationships" xmlns:p="http://schemas.openxmlformats.org/presentationml/2006/main">
+  <p:cSld>
+    <p:spTree>
+      <p:nvGrpSpPr>
+        <p:cNvPr id="1" name=""/>
+        <p:cNvGrpSpPr/>
+        <p:nvPr/>
+      </p:nvGrpSpPr>
+      <p:grpSpPr>
+        <a:xfrm>
+          <a:off x="0" y="0"/>
+          <a:ext cx="0" cy="0"/>
+          <a:chOff x="0" y="0"/>
+          <a:chExt cx="0" cy="0"/>
+        </a:xfrm>
+      </p:grpSpPr>
+      <p:sp>
+        <p:nvSpPr>
           <p:cNvPr id="2" name="Title 1"/>
           <p:cNvSpPr>
             <a:spLocks noGrp="1"/>
@@ -8981,7 +9111,7 @@
         </p:nvSpPr>
         <p:spPr>
           <a:xfrm>
-            <a:off x="457200" y="1600200"/>
+            <a:off x="1981200" y="1600201"/>
             <a:ext cx="8363272" cy="4525963"/>
           </a:xfrm>
         </p:spPr>
@@ -9074,7 +9204,7 @@
         </p:nvGrpSpPr>
         <p:grpSpPr>
           <a:xfrm>
-            <a:off x="957028" y="3717032"/>
+            <a:off x="2481028" y="3717033"/>
             <a:ext cx="3470956" cy="2590547"/>
             <a:chOff x="957028" y="3717032"/>
             <a:chExt cx="3470956" cy="2590547"/>
@@ -9361,268 +9491,6 @@
 </p:sld>
 </file>
 
-<file path=ppt/slides/slide28.xml><?xml version="1.0" encoding="utf-8"?>
-<p:sld xmlns:a="http://schemas.openxmlformats.org/drawingml/2006/main" xmlns:r="http://schemas.openxmlformats.org/officeDocument/2006/relationships" xmlns:p="http://schemas.openxmlformats.org/presentationml/2006/main">
-  <p:cSld>
-    <p:spTree>
-      <p:nvGrpSpPr>
-        <p:cNvPr id="1" name=""/>
-        <p:cNvGrpSpPr/>
-        <p:nvPr/>
-      </p:nvGrpSpPr>
-      <p:grpSpPr>
-        <a:xfrm>
-          <a:off x="0" y="0"/>
-          <a:ext cx="0" cy="0"/>
-          <a:chOff x="0" y="0"/>
-          <a:chExt cx="0" cy="0"/>
-        </a:xfrm>
-      </p:grpSpPr>
-      <p:sp>
-        <p:nvSpPr>
-          <p:cNvPr id="2" name="Titel 1"/>
-          <p:cNvSpPr>
-            <a:spLocks noGrp="1"/>
-          </p:cNvSpPr>
-          <p:nvPr>
-            <p:ph type="title"/>
-          </p:nvPr>
-        </p:nvSpPr>
-        <p:spPr>
-          <a:xfrm>
-            <a:off x="457200" y="274638"/>
-            <a:ext cx="8229600" cy="850106"/>
-          </a:xfrm>
-        </p:spPr>
-        <p:txBody>
-          <a:bodyPr/>
-          <a:lstStyle/>
-          <a:p>
-            <a:r>
-              <a:rPr lang="en-US" dirty="0"/>
-              <a:t>Propensity-score weights</a:t>
-            </a:r>
-            <a:endParaRPr lang="en-US" sz="3600" dirty="0"/>
-          </a:p>
-        </p:txBody>
-      </p:sp>
-      <p:sp>
-        <p:nvSpPr>
-          <p:cNvPr id="3" name="Inhaltsplatzhalter 2"/>
-          <p:cNvSpPr>
-            <a:spLocks noGrp="1"/>
-          </p:cNvSpPr>
-          <p:nvPr>
-            <p:ph idx="1"/>
-          </p:nvPr>
-        </p:nvSpPr>
-        <p:spPr>
-          <a:xfrm>
-            <a:off x="457200" y="1484784"/>
-            <a:ext cx="8435280" cy="4104456"/>
-          </a:xfrm>
-        </p:spPr>
-        <p:txBody>
-          <a:bodyPr>
-            <a:normAutofit fontScale="62500" lnSpcReduction="20000"/>
-          </a:bodyPr>
-          <a:lstStyle/>
-          <a:p>
-            <a:pPr marL="0" indent="0">
-              <a:lnSpc>
-                <a:spcPct val="110000"/>
-              </a:lnSpc>
-              <a:spcBef>
-                <a:spcPts val="1800"/>
-              </a:spcBef>
-              <a:buNone/>
-            </a:pPr>
-            <a:r>
-              <a:rPr lang="en-US" dirty="0"/>
-              <a:t>For </a:t>
-            </a:r>
-            <a:r>
-              <a:rPr lang="en-US" dirty="0">
-                <a:solidFill>
-                  <a:srgbClr val="FF0000"/>
-                </a:solidFill>
-              </a:rPr>
-              <a:t>propensity-score weights </a:t>
-            </a:r>
-            <a:r>
-              <a:rPr lang="en-US" dirty="0"/>
-              <a:t>(logistic regression) models estimate the response propensity (</a:t>
-            </a:r>
-            <a:r>
-              <a:rPr lang="en-US" dirty="0">
-                <a:solidFill>
-                  <a:srgbClr val="FF0000"/>
-                </a:solidFill>
-              </a:rPr>
-              <a:t>predicted probability</a:t>
-            </a:r>
-            <a:r>
-              <a:rPr lang="en-US" dirty="0"/>
-              <a:t>) of each sample unit given a set of covariates.</a:t>
-            </a:r>
-          </a:p>
-          <a:p>
-            <a:pPr>
-              <a:lnSpc>
-                <a:spcPct val="110000"/>
-              </a:lnSpc>
-              <a:spcBef>
-                <a:spcPts val="1800"/>
-              </a:spcBef>
-            </a:pPr>
-            <a:r>
-              <a:rPr lang="en-US" dirty="0"/>
-              <a:t>Response rate for all linear combinations of for example:</a:t>
-            </a:r>
-          </a:p>
-          <a:p>
-            <a:pPr lvl="1">
-              <a:lnSpc>
-                <a:spcPct val="110000"/>
-              </a:lnSpc>
-              <a:spcBef>
-                <a:spcPts val="1800"/>
-              </a:spcBef>
-            </a:pPr>
-            <a:r>
-              <a:rPr lang="en-US" dirty="0"/>
-              <a:t>response[0;1] ~ </a:t>
-            </a:r>
-            <a:r>
-              <a:rPr lang="en-US" dirty="0" err="1"/>
-              <a:t>gender+age+region+typehouse</a:t>
-            </a:r>
-            <a:endParaRPr lang="en-US" dirty="0"/>
-          </a:p>
-          <a:p>
-            <a:pPr marL="0" indent="0">
-              <a:lnSpc>
-                <a:spcPct val="110000"/>
-              </a:lnSpc>
-              <a:spcBef>
-                <a:spcPts val="1800"/>
-              </a:spcBef>
-              <a:buNone/>
-            </a:pPr>
-            <a:r>
-              <a:rPr lang="en-US" dirty="0"/>
-              <a:t>Weight is the scaled inverse of the predicted response propensity of each sample unit.</a:t>
-            </a:r>
-          </a:p>
-          <a:p>
-            <a:pPr>
-              <a:lnSpc>
-                <a:spcPct val="110000"/>
-              </a:lnSpc>
-              <a:spcBef>
-                <a:spcPts val="1800"/>
-              </a:spcBef>
-            </a:pPr>
-            <a:r>
-              <a:rPr lang="en-US" dirty="0"/>
-              <a:t>Design weight = </a:t>
-            </a:r>
-            <a:r>
-              <a:rPr lang="en-US" dirty="0">
-                <a:solidFill>
-                  <a:srgbClr val="FF0000"/>
-                </a:solidFill>
-              </a:rPr>
-              <a:t>sample inclusion </a:t>
-            </a:r>
-            <a:r>
-              <a:rPr lang="en-US" dirty="0"/>
-              <a:t>probability</a:t>
-            </a:r>
-          </a:p>
-          <a:p>
-            <a:pPr>
-              <a:lnSpc>
-                <a:spcPct val="110000"/>
-              </a:lnSpc>
-              <a:spcBef>
-                <a:spcPts val="1800"/>
-              </a:spcBef>
-            </a:pPr>
-            <a:r>
-              <a:rPr lang="en-US" dirty="0"/>
-              <a:t>Propensity weight = </a:t>
-            </a:r>
-            <a:r>
-              <a:rPr lang="en-US" dirty="0">
-                <a:solidFill>
-                  <a:srgbClr val="FF0000"/>
-                </a:solidFill>
-              </a:rPr>
-              <a:t>participation</a:t>
-            </a:r>
-            <a:r>
-              <a:rPr lang="en-US" dirty="0"/>
-              <a:t> probability</a:t>
-            </a:r>
-          </a:p>
-          <a:p>
-            <a:pPr>
-              <a:lnSpc>
-                <a:spcPct val="110000"/>
-              </a:lnSpc>
-              <a:spcBef>
-                <a:spcPts val="1800"/>
-              </a:spcBef>
-            </a:pPr>
-            <a:r>
-              <a:rPr lang="en-US" dirty="0" err="1"/>
-              <a:t>Nonresponse+design</a:t>
-            </a:r>
-            <a:r>
-              <a:rPr lang="en-US" dirty="0"/>
-              <a:t> weight = </a:t>
-            </a:r>
-            <a:r>
-              <a:rPr lang="en-US" dirty="0">
-                <a:solidFill>
-                  <a:srgbClr val="FF0000"/>
-                </a:solidFill>
-              </a:rPr>
-              <a:t>design weight * propensity weight</a:t>
-            </a:r>
-          </a:p>
-          <a:p>
-            <a:pPr>
-              <a:lnSpc>
-                <a:spcPct val="110000"/>
-              </a:lnSpc>
-            </a:pPr>
-            <a:endParaRPr lang="en-US" dirty="0"/>
-          </a:p>
-          <a:p>
-            <a:pPr>
-              <a:lnSpc>
-                <a:spcPct val="110000"/>
-              </a:lnSpc>
-            </a:pPr>
-            <a:endParaRPr lang="en-US" dirty="0"/>
-          </a:p>
-        </p:txBody>
-      </p:sp>
-    </p:spTree>
-    <p:extLst>
-      <p:ext uri="{BB962C8B-B14F-4D97-AF65-F5344CB8AC3E}">
-        <p14:creationId xmlns:p14="http://schemas.microsoft.com/office/powerpoint/2010/main" val="213962800"/>
-      </p:ext>
-    </p:extLst>
-  </p:cSld>
-  <p:clrMapOvr>
-    <a:masterClrMapping/>
-  </p:clrMapOvr>
-</p:sld>
-</file>
-
 <file path=ppt/slides/slide29.xml><?xml version="1.0" encoding="utf-8"?>
 <p:sld xmlns:a="http://schemas.openxmlformats.org/drawingml/2006/main" xmlns:r="http://schemas.openxmlformats.org/officeDocument/2006/relationships" xmlns:p="http://schemas.openxmlformats.org/presentationml/2006/main">
   <p:cSld>
@@ -9642,13 +9510,7 @@
       </p:grpSpPr>
       <p:sp>
         <p:nvSpPr>
-          <p:cNvPr id="2" name="Titel 1">
-            <a:extLst>
-              <a:ext uri="{FF2B5EF4-FFF2-40B4-BE49-F238E27FC236}">
-                <a16:creationId xmlns:a16="http://schemas.microsoft.com/office/drawing/2014/main" id="{BD0B6105-5E36-4E43-879D-370FD58BD296}"/>
-              </a:ext>
-            </a:extLst>
-          </p:cNvPr>
+          <p:cNvPr id="2" name="Titel 1"/>
           <p:cNvSpPr>
             <a:spLocks noGrp="1"/>
           </p:cNvSpPr>
@@ -9656,31 +9518,27 @@
             <p:ph type="title"/>
           </p:nvPr>
         </p:nvSpPr>
-        <p:spPr/>
+        <p:spPr>
+          <a:xfrm>
+            <a:off x="1981200" y="274638"/>
+            <a:ext cx="8229600" cy="850106"/>
+          </a:xfrm>
+        </p:spPr>
         <p:txBody>
           <a:bodyPr/>
           <a:lstStyle/>
           <a:p>
             <a:r>
-              <a:rPr lang="nl-NL" dirty="0" err="1"/>
-              <a:t>Brick</a:t>
-            </a:r>
-            <a:r>
-              <a:rPr lang="nl-NL" dirty="0"/>
-              <a:t> (2013)</a:t>
-            </a:r>
-          </a:p>
-        </p:txBody>
-      </p:sp>
-      <p:sp>
-        <p:nvSpPr>
-          <p:cNvPr id="3" name="Tijdelijke aanduiding voor inhoud 2">
-            <a:extLst>
-              <a:ext uri="{FF2B5EF4-FFF2-40B4-BE49-F238E27FC236}">
-                <a16:creationId xmlns:a16="http://schemas.microsoft.com/office/drawing/2014/main" id="{5CD6BD55-5AFD-BD47-9F46-95865B07BDB3}"/>
-              </a:ext>
-            </a:extLst>
-          </p:cNvPr>
+              <a:rPr lang="en-US" dirty="0"/>
+              <a:t>Propensity-score weights</a:t>
+            </a:r>
+            <a:endParaRPr lang="en-US" sz="3600" dirty="0"/>
+          </a:p>
+        </p:txBody>
+      </p:sp>
+      <p:sp>
+        <p:nvSpPr>
+          <p:cNvPr id="3" name="Inhaltsplatzhalter 2"/>
           <p:cNvSpPr>
             <a:spLocks noGrp="1"/>
           </p:cNvSpPr>
@@ -9688,147 +9546,141 @@
             <p:ph idx="1"/>
           </p:nvPr>
         </p:nvSpPr>
-        <p:spPr/>
+        <p:spPr>
+          <a:xfrm>
+            <a:off x="1981200" y="1484784"/>
+            <a:ext cx="8435280" cy="4104456"/>
+          </a:xfrm>
+        </p:spPr>
         <p:txBody>
           <a:bodyPr>
-            <a:normAutofit lnSpcReduction="10000"/>
+            <a:normAutofit fontScale="85000" lnSpcReduction="20000"/>
           </a:bodyPr>
           <a:lstStyle/>
           <a:p>
-            <a:r>
-              <a:rPr lang="nl-NL" dirty="0"/>
-              <a:t>Review of </a:t>
-            </a:r>
-            <a:r>
-              <a:rPr lang="nl-NL" dirty="0" err="1"/>
-              <a:t>weighting</a:t>
-            </a:r>
-            <a:r>
-              <a:rPr lang="nl-NL" dirty="0"/>
-              <a:t> approaches</a:t>
-            </a:r>
-          </a:p>
-          <a:p>
-            <a:pPr lvl="1"/>
-            <a:r>
-              <a:rPr lang="nl-NL" dirty="0" err="1"/>
-              <a:t>Propensity</a:t>
-            </a:r>
-            <a:r>
-              <a:rPr lang="nl-NL" dirty="0"/>
-              <a:t> score </a:t>
-            </a:r>
-            <a:r>
-              <a:rPr lang="nl-NL" dirty="0" err="1"/>
-              <a:t>models</a:t>
-            </a:r>
-            <a:endParaRPr lang="nl-NL" dirty="0"/>
-          </a:p>
-          <a:p>
-            <a:pPr lvl="2"/>
-            <a:r>
-              <a:rPr lang="nl-NL" dirty="0"/>
-              <a:t>Sampling frame data is </a:t>
-            </a:r>
-            <a:r>
-              <a:rPr lang="nl-NL" dirty="0" err="1"/>
-              <a:t>limited</a:t>
-            </a:r>
-            <a:endParaRPr lang="nl-NL" dirty="0"/>
-          </a:p>
-          <a:p>
-            <a:pPr lvl="1"/>
-            <a:r>
-              <a:rPr lang="nl-NL" dirty="0" err="1"/>
-              <a:t>Population</a:t>
-            </a:r>
-            <a:r>
-              <a:rPr lang="nl-NL" dirty="0"/>
-              <a:t> information is </a:t>
-            </a:r>
-            <a:r>
-              <a:rPr lang="nl-NL" dirty="0" err="1"/>
-              <a:t>limited</a:t>
-            </a:r>
-            <a:endParaRPr lang="nl-NL" dirty="0"/>
-          </a:p>
-          <a:p>
-            <a:pPr lvl="2"/>
-            <a:r>
-              <a:rPr lang="nl-NL" dirty="0" err="1"/>
-              <a:t>Other</a:t>
-            </a:r>
-            <a:r>
-              <a:rPr lang="nl-NL" dirty="0"/>
-              <a:t> </a:t>
-            </a:r>
-            <a:r>
-              <a:rPr lang="nl-NL" dirty="0" err="1"/>
-              <a:t>weighting</a:t>
-            </a:r>
-            <a:r>
-              <a:rPr lang="nl-NL" dirty="0"/>
-              <a:t> </a:t>
-            </a:r>
-            <a:r>
-              <a:rPr lang="nl-NL" dirty="0" err="1"/>
-              <a:t>models</a:t>
-            </a:r>
-            <a:endParaRPr lang="nl-NL" dirty="0"/>
-          </a:p>
-          <a:p>
-            <a:r>
-              <a:rPr lang="nl-NL" dirty="0" err="1"/>
-              <a:t>Can</a:t>
-            </a:r>
-            <a:r>
-              <a:rPr lang="nl-NL" dirty="0"/>
-              <a:t> we </a:t>
-            </a:r>
-            <a:r>
-              <a:rPr lang="nl-NL" dirty="0" err="1"/>
-              <a:t>use</a:t>
-            </a:r>
-            <a:r>
-              <a:rPr lang="nl-NL" dirty="0"/>
-              <a:t> more information?</a:t>
-            </a:r>
-          </a:p>
-          <a:p>
-            <a:pPr lvl="1"/>
-            <a:r>
-              <a:rPr lang="nl-NL" dirty="0"/>
-              <a:t>Next week:</a:t>
-            </a:r>
-          </a:p>
-          <a:p>
-            <a:pPr lvl="1"/>
-            <a:r>
-              <a:rPr lang="nl-NL" dirty="0" err="1"/>
-              <a:t>Section</a:t>
-            </a:r>
-            <a:r>
-              <a:rPr lang="nl-NL" dirty="0"/>
-              <a:t> 7: paradata?</a:t>
-            </a:r>
-          </a:p>
-          <a:p>
-            <a:pPr lvl="1"/>
-            <a:r>
-              <a:rPr lang="nl-NL" dirty="0" err="1"/>
-              <a:t>Population</a:t>
-            </a:r>
-            <a:r>
-              <a:rPr lang="nl-NL" dirty="0"/>
-              <a:t> data</a:t>
-            </a:r>
+            <a:pPr marL="0" indent="0">
+              <a:lnSpc>
+                <a:spcPct val="110000"/>
+              </a:lnSpc>
+              <a:spcBef>
+                <a:spcPts val="1800"/>
+              </a:spcBef>
+              <a:buNone/>
+            </a:pPr>
+            <a:r>
+              <a:rPr lang="en-US" dirty="0"/>
+              <a:t>For </a:t>
+            </a:r>
+            <a:r>
+              <a:rPr lang="en-US" dirty="0">
+                <a:solidFill>
+                  <a:srgbClr val="FF0000"/>
+                </a:solidFill>
+              </a:rPr>
+              <a:t>propensity-score weights </a:t>
+            </a:r>
+            <a:r>
+              <a:rPr lang="en-US" dirty="0"/>
+              <a:t>(logistic regression) models estimate the response propensity (</a:t>
+            </a:r>
+            <a:r>
+              <a:rPr lang="en-US" dirty="0">
+                <a:solidFill>
+                  <a:srgbClr val="FF0000"/>
+                </a:solidFill>
+              </a:rPr>
+              <a:t>predicted probability</a:t>
+            </a:r>
+            <a:r>
+              <a:rPr lang="en-US" dirty="0"/>
+              <a:t>) of each sample unit given a set of covariates.</a:t>
+            </a:r>
+          </a:p>
+          <a:p>
+            <a:pPr>
+              <a:lnSpc>
+                <a:spcPct val="110000"/>
+              </a:lnSpc>
+              <a:spcBef>
+                <a:spcPts val="1800"/>
+              </a:spcBef>
+            </a:pPr>
+            <a:r>
+              <a:rPr lang="en-US" dirty="0"/>
+              <a:t>Response rate for all linear combinations of for example:</a:t>
+            </a:r>
+          </a:p>
+          <a:p>
+            <a:pPr lvl="1">
+              <a:lnSpc>
+                <a:spcPct val="110000"/>
+              </a:lnSpc>
+              <a:spcBef>
+                <a:spcPts val="1800"/>
+              </a:spcBef>
+            </a:pPr>
+            <a:r>
+              <a:rPr lang="en-US" dirty="0"/>
+              <a:t>response[0;1] ~ </a:t>
+            </a:r>
+            <a:r>
+              <a:rPr lang="en-US" dirty="0" err="1"/>
+              <a:t>gender+age+region+typehouse</a:t>
+            </a:r>
+            <a:endParaRPr lang="en-US" dirty="0"/>
+          </a:p>
+          <a:p>
+            <a:pPr lvl="1">
+              <a:lnSpc>
+                <a:spcPct val="110000"/>
+              </a:lnSpc>
+              <a:spcBef>
+                <a:spcPts val="1800"/>
+              </a:spcBef>
+            </a:pPr>
+            <a:r>
+              <a:rPr lang="en-US" dirty="0"/>
+              <a:t>Save predicted probabilities</a:t>
+            </a:r>
+          </a:p>
+          <a:p>
+            <a:pPr marL="0" indent="0">
+              <a:lnSpc>
+                <a:spcPct val="110000"/>
+              </a:lnSpc>
+              <a:spcBef>
+                <a:spcPts val="1800"/>
+              </a:spcBef>
+              <a:buNone/>
+            </a:pPr>
+            <a:r>
+              <a:rPr lang="en-US" dirty="0"/>
+              <a:t>Weight is the scaled inverse of the predicted response propensity of each sample unit.</a:t>
+            </a:r>
+          </a:p>
+          <a:p>
+            <a:pPr marL="0" indent="0">
+              <a:lnSpc>
+                <a:spcPct val="110000"/>
+              </a:lnSpc>
+              <a:buNone/>
+            </a:pPr>
+            <a:endParaRPr lang="en-US" dirty="0"/>
+          </a:p>
+          <a:p>
+            <a:pPr>
+              <a:lnSpc>
+                <a:spcPct val="110000"/>
+              </a:lnSpc>
+            </a:pPr>
+            <a:endParaRPr lang="en-US" dirty="0"/>
           </a:p>
         </p:txBody>
       </p:sp>
     </p:spTree>
     <p:extLst>
       <p:ext uri="{BB962C8B-B14F-4D97-AF65-F5344CB8AC3E}">
-        <p14:creationId xmlns:p14="http://schemas.microsoft.com/office/powerpoint/2010/main" val="1468889809"/>
+        <p14:creationId xmlns:p14="http://schemas.microsoft.com/office/powerpoint/2010/main" val="213962800"/>
       </p:ext>
     </p:extLst>
   </p:cSld>
@@ -9926,21 +9778,6 @@
               <a:t>nonresponse</a:t>
             </a:r>
             <a:endParaRPr lang="nl-NL" dirty="0"/>
-          </a:p>
-          <a:p>
-            <a:pPr lvl="1"/>
-            <a:r>
-              <a:rPr lang="nl-NL" dirty="0"/>
-              <a:t>Luiten, de Leeuw &amp; </a:t>
-            </a:r>
-            <a:r>
-              <a:rPr lang="nl-NL" dirty="0" err="1"/>
-              <a:t>Hox</a:t>
-            </a:r>
-            <a:r>
-              <a:rPr lang="nl-NL" dirty="0"/>
-              <a:t> (2018)</a:t>
-            </a:r>
           </a:p>
           <a:p>
             <a:r>
@@ -10063,36 +9900,6 @@
           </a:p>
         </p:txBody>
       </p:sp>
-      <p:pic>
-        <p:nvPicPr>
-          <p:cNvPr id="4" name="Afbeelding 3">
-            <a:extLst>
-              <a:ext uri="{FF2B5EF4-FFF2-40B4-BE49-F238E27FC236}">
-                <a16:creationId xmlns:a16="http://schemas.microsoft.com/office/drawing/2014/main" id="{5B4FC16B-4E11-AE49-A79D-A7472885960E}"/>
-              </a:ext>
-            </a:extLst>
-          </p:cNvPr>
-          <p:cNvPicPr>
-            <a:picLocks noChangeAspect="1"/>
-          </p:cNvPicPr>
-          <p:nvPr/>
-        </p:nvPicPr>
-        <p:blipFill>
-          <a:blip r:embed="rId3"/>
-          <a:stretch>
-            <a:fillRect/>
-          </a:stretch>
-        </p:blipFill>
-        <p:spPr>
-          <a:xfrm>
-            <a:off x="4355976" y="1600200"/>
-            <a:ext cx="4978896" cy="3672955"/>
-          </a:xfrm>
-          <a:prstGeom prst="rect">
-            <a:avLst/>
-          </a:prstGeom>
-        </p:spPr>
-      </p:pic>
       <p:sp>
         <p:nvSpPr>
           <p:cNvPr id="3" name="Tijdelijke aanduiding voor inhoud 2">
@@ -10109,15 +9916,10 @@
             <p:ph idx="1"/>
           </p:nvPr>
         </p:nvSpPr>
-        <p:spPr>
-          <a:xfrm>
-            <a:off x="457200" y="1600200"/>
-            <a:ext cx="4402832" cy="4525963"/>
-          </a:xfrm>
-        </p:spPr>
+        <p:spPr/>
         <p:txBody>
           <a:bodyPr>
-            <a:normAutofit fontScale="92500" lnSpcReduction="20000"/>
+            <a:normAutofit lnSpcReduction="10000"/>
           </a:bodyPr>
           <a:lstStyle/>
           <a:p>
@@ -10135,13 +9937,54 @@
             </a:r>
           </a:p>
           <a:p>
+            <a:pPr lvl="1"/>
+            <a:r>
+              <a:rPr lang="nl-NL" dirty="0" err="1"/>
+              <a:t>Propensity</a:t>
+            </a:r>
             <a:r>
               <a:rPr lang="nl-NL" dirty="0"/>
-              <a:t>RHG – response </a:t>
+              <a:t> score </a:t>
             </a:r>
             <a:r>
               <a:rPr lang="nl-NL" dirty="0" err="1"/>
-              <a:t>homogeneity</a:t>
+              <a:t>models</a:t>
+            </a:r>
+            <a:endParaRPr lang="nl-NL" dirty="0"/>
+          </a:p>
+          <a:p>
+            <a:pPr lvl="2"/>
+            <a:r>
+              <a:rPr lang="nl-NL" dirty="0"/>
+              <a:t>Sampling frame data is </a:t>
+            </a:r>
+            <a:r>
+              <a:rPr lang="nl-NL" dirty="0" err="1"/>
+              <a:t>limited</a:t>
+            </a:r>
+            <a:endParaRPr lang="nl-NL" dirty="0"/>
+          </a:p>
+          <a:p>
+            <a:pPr lvl="1"/>
+            <a:r>
+              <a:rPr lang="nl-NL" dirty="0" err="1"/>
+              <a:t>Population</a:t>
+            </a:r>
+            <a:r>
+              <a:rPr lang="nl-NL" dirty="0"/>
+              <a:t> information is </a:t>
+            </a:r>
+            <a:r>
+              <a:rPr lang="nl-NL" dirty="0" err="1"/>
+              <a:t>limited</a:t>
+            </a:r>
+            <a:endParaRPr lang="nl-NL" dirty="0"/>
+          </a:p>
+          <a:p>
+            <a:pPr lvl="2"/>
+            <a:r>
+              <a:rPr lang="nl-NL" dirty="0" err="1"/>
+              <a:t>Other</a:t>
             </a:r>
             <a:r>
               <a:rPr lang="nl-NL" dirty="0"/>
@@ -10149,129 +9992,71 @@
             </a:r>
             <a:r>
               <a:rPr lang="nl-NL" dirty="0" err="1"/>
-              <a:t>groups</a:t>
-            </a:r>
-            <a:endParaRPr lang="nl-NL" dirty="0"/>
-          </a:p>
-          <a:p>
-            <a:pPr lvl="1"/>
-            <a:r>
-              <a:rPr lang="nl-NL" dirty="0" err="1"/>
-              <a:t>Groups</a:t>
+              <a:t>weighting</a:t>
             </a:r>
             <a:r>
               <a:rPr lang="nl-NL" dirty="0"/>
-              <a:t> of </a:t>
-            </a:r>
-            <a:r>
-              <a:rPr lang="nl-NL" dirty="0" err="1"/>
-              <a:t>propensity</a:t>
-            </a:r>
-            <a:r>
-              <a:rPr lang="nl-NL" dirty="0"/>
-              <a:t> score </a:t>
+              <a:t> </a:t>
             </a:r>
             <a:r>
               <a:rPr lang="nl-NL" dirty="0" err="1"/>
               <a:t>models</a:t>
             </a:r>
+            <a:endParaRPr lang="nl-NL" dirty="0"/>
+          </a:p>
+          <a:p>
+            <a:r>
+              <a:rPr lang="nl-NL" dirty="0" err="1"/>
+              <a:t>Can</a:t>
+            </a:r>
             <a:r>
               <a:rPr lang="nl-NL" dirty="0"/>
-              <a:t> </a:t>
-            </a:r>
-          </a:p>
-          <a:p>
+              <a:t> we </a:t>
+            </a:r>
             <a:r>
               <a:rPr lang="nl-NL" dirty="0" err="1"/>
-              <a:t>Responsive</a:t>
+              <a:t>use</a:t>
             </a:r>
             <a:r>
               <a:rPr lang="nl-NL" dirty="0"/>
-              <a:t> design </a:t>
-            </a:r>
+              <a:t> more information?</a:t>
+            </a:r>
+          </a:p>
+          <a:p>
+            <a:pPr lvl="1"/>
+            <a:r>
+              <a:rPr lang="nl-NL" dirty="0"/>
+              <a:t>Next week:</a:t>
+            </a:r>
+          </a:p>
+          <a:p>
+            <a:pPr lvl="1"/>
             <a:r>
               <a:rPr lang="nl-NL" dirty="0" err="1"/>
-              <a:t>models</a:t>
+              <a:t>Section</a:t>
             </a:r>
             <a:r>
               <a:rPr lang="nl-NL" dirty="0"/>
-              <a:t> </a:t>
+              <a:t> 7: paradata?</a:t>
             </a:r>
           </a:p>
           <a:p>
             <a:pPr lvl="1"/>
             <a:r>
               <a:rPr lang="nl-NL" dirty="0" err="1"/>
-              <a:t>Adjust</a:t>
+              <a:t>Population</a:t>
             </a:r>
             <a:r>
               <a:rPr lang="nl-NL" dirty="0"/>
-              <a:t> fieldwork </a:t>
-            </a:r>
-            <a:r>
-              <a:rPr lang="nl-NL" dirty="0" err="1"/>
-              <a:t>efforts</a:t>
-            </a:r>
-            <a:r>
-              <a:rPr lang="nl-NL" dirty="0"/>
-              <a:t> </a:t>
-            </a:r>
-            <a:r>
-              <a:rPr lang="nl-NL" dirty="0" err="1"/>
-              <a:t>so</a:t>
-            </a:r>
-            <a:r>
-              <a:rPr lang="nl-NL" dirty="0"/>
-              <a:t> </a:t>
-            </a:r>
-            <a:r>
-              <a:rPr lang="nl-NL" dirty="0" err="1"/>
-              <a:t>that</a:t>
-            </a:r>
-            <a:r>
-              <a:rPr lang="nl-NL" dirty="0"/>
-              <a:t> P</a:t>
-            </a:r>
-            <a:r>
-              <a:rPr lang="nl-NL" sz="3000" baseline="-25000" dirty="0"/>
-              <a:t>respond</a:t>
-            </a:r>
-            <a:r>
-              <a:rPr lang="nl-NL" dirty="0"/>
-              <a:t> = </a:t>
-            </a:r>
-            <a:r>
-              <a:rPr lang="nl-NL" dirty="0" err="1"/>
-              <a:t>equal</a:t>
-            </a:r>
-            <a:endParaRPr lang="nl-NL" dirty="0"/>
-          </a:p>
-          <a:p>
-            <a:pPr lvl="1"/>
-            <a:r>
-              <a:rPr lang="nl-NL" dirty="0"/>
-              <a:t>Var (p</a:t>
-            </a:r>
-            <a:r>
-              <a:rPr lang="nl-NL" baseline="-25000" dirty="0"/>
-              <a:t>respond</a:t>
-            </a:r>
-            <a:r>
-              <a:rPr lang="nl-NL" dirty="0"/>
-              <a:t>) = 0</a:t>
-            </a:r>
-            <a:endParaRPr lang="nl-NL" baseline="-25000" dirty="0"/>
-          </a:p>
-          <a:p>
-            <a:pPr lvl="1"/>
-            <a:endParaRPr lang="nl-NL" dirty="0"/>
+              <a:t> data</a:t>
+            </a:r>
           </a:p>
         </p:txBody>
       </p:sp>
     </p:spTree>
     <p:extLst>
       <p:ext uri="{BB962C8B-B14F-4D97-AF65-F5344CB8AC3E}">
-        <p14:creationId xmlns:p14="http://schemas.microsoft.com/office/powerpoint/2010/main" val="4089858705"/>
+        <p14:creationId xmlns:p14="http://schemas.microsoft.com/office/powerpoint/2010/main" val="1468889809"/>
       </p:ext>
     </p:extLst>
   </p:cSld>
@@ -10333,7 +10118,7 @@
         </p:nvSpPr>
         <p:spPr>
           <a:xfrm>
-            <a:off x="457200" y="1600200"/>
+            <a:off x="1981200" y="1600201"/>
             <a:ext cx="8795320" cy="4525963"/>
           </a:xfrm>
         </p:spPr>
@@ -10451,7 +10236,7 @@
         </p:blipFill>
         <p:spPr bwMode="auto">
           <a:xfrm>
-            <a:off x="398910" y="898602"/>
+            <a:off x="1922910" y="898603"/>
             <a:ext cx="7914132" cy="5728543"/>
           </a:xfrm>
           <a:prstGeom prst="rect">
@@ -10464,14 +10249,14 @@
           <a:effectLst/>
           <a:extLst>
             <a:ext uri="{909E8E84-426E-40dd-AFC4-6F175D3DCCD1}">
-              <a14:hiddenFill xmlns:a14="http://schemas.microsoft.com/office/drawing/2010/main" xmlns="">
+              <a14:hiddenFill xmlns="" xmlns:a14="http://schemas.microsoft.com/office/drawing/2010/main">
                 <a:solidFill>
                   <a:schemeClr val="accent1"/>
                 </a:solidFill>
               </a14:hiddenFill>
             </a:ext>
             <a:ext uri="{91240B29-F687-4f45-9708-019B960494DF}">
-              <a14:hiddenLine xmlns:a14="http://schemas.microsoft.com/office/drawing/2010/main" xmlns="" w="9525">
+              <a14:hiddenLine xmlns="" xmlns:a14="http://schemas.microsoft.com/office/drawing/2010/main" w="9525">
                 <a:solidFill>
                   <a:schemeClr val="tx1"/>
                 </a:solidFill>
@@ -10481,7 +10266,7 @@
               </a14:hiddenLine>
             </a:ext>
             <a:ext uri="{AF507438-7753-43e0-B8FC-AC1667EBCBE1}">
-              <a14:hiddenEffects xmlns:a14="http://schemas.microsoft.com/office/drawing/2010/main" xmlns="">
+              <a14:hiddenEffects xmlns="" xmlns:a14="http://schemas.microsoft.com/office/drawing/2010/main">
                 <a:effectLst>
                   <a:outerShdw dist="35921" dir="2700000" algn="ctr" rotWithShape="0">
                     <a:schemeClr val="bg2"/>
@@ -10504,7 +10289,7 @@
         </p:nvSpPr>
         <p:spPr>
           <a:xfrm>
-            <a:off x="457200" y="152400"/>
+            <a:off x="1981200" y="152401"/>
             <a:ext cx="8229600" cy="696239"/>
           </a:xfrm>
         </p:spPr>
@@ -10533,7 +10318,7 @@
         </p:nvSpPr>
         <p:spPr>
           <a:xfrm>
-            <a:off x="4767487" y="6424739"/>
+            <a:off x="6291487" y="6424739"/>
             <a:ext cx="3550172" cy="404812"/>
           </a:xfrm>
           <a:prstGeom prst="rect">
@@ -10546,90 +10331,21 @@
           </a:bodyPr>
           <a:lstStyle/>
           <a:p>
-            <a:pPr marL="274320" marR="0" lvl="0" indent="-274320" algn="r" defTabSz="914400" rtl="0" eaLnBrk="1" fontAlgn="auto" latinLnBrk="0" hangingPunct="1">
-              <a:lnSpc>
-                <a:spcPct val="100000"/>
-              </a:lnSpc>
+            <a:pPr marL="274320" indent="-274320" algn="r">
               <a:spcBef>
                 <a:spcPct val="0"/>
               </a:spcBef>
-              <a:spcAft>
-                <a:spcPts val="0"/>
-              </a:spcAft>
               <a:buClr>
                 <a:srgbClr val="FCA914"/>
               </a:buClr>
               <a:buSzPct val="76000"/>
-              <a:buFont typeface="Webdings" pitchFamily="18" charset="2"/>
-              <a:buNone/>
-              <a:tabLst/>
               <a:defRPr/>
             </a:pPr>
             <a:r>
-              <a:rPr kumimoji="0" lang="en-US" sz="1800" b="0" i="0" u="none" strike="noStrike" kern="1200" cap="none" spc="0" normalizeH="0" baseline="0" noProof="0" dirty="0">
-                <a:ln>
-                  <a:noFill/>
-                </a:ln>
-                <a:solidFill>
-                  <a:schemeClr val="tx1"/>
-                </a:solidFill>
-                <a:effectLst/>
-                <a:uLnTx/>
-                <a:uFillTx/>
-                <a:latin typeface="+mn-lt"/>
-                <a:ea typeface="+mn-ea"/>
-                <a:cs typeface="+mn-cs"/>
-              </a:rPr>
-              <a:t>(Groves et al. 2009,</a:t>
-            </a:r>
-            <a:r>
-              <a:rPr kumimoji="0" lang="en-US" sz="1800" b="0" i="0" u="none" strike="noStrike" kern="1200" cap="none" spc="0" normalizeH="0" noProof="0" dirty="0">
-                <a:ln>
-                  <a:noFill/>
-                </a:ln>
-                <a:solidFill>
-                  <a:schemeClr val="tx1"/>
-                </a:solidFill>
-                <a:effectLst/>
-                <a:uLnTx/>
-                <a:uFillTx/>
-                <a:latin typeface="+mn-lt"/>
-                <a:ea typeface="+mn-ea"/>
-                <a:cs typeface="+mn-cs"/>
-              </a:rPr>
-              <a:t> p.48</a:t>
-            </a:r>
-            <a:r>
-              <a:rPr kumimoji="0" lang="en-US" sz="1800" b="0" i="0" u="none" strike="noStrike" kern="1200" cap="none" spc="0" normalizeH="0" baseline="0" noProof="0" dirty="0">
-                <a:ln>
-                  <a:noFill/>
-                </a:ln>
-                <a:solidFill>
-                  <a:schemeClr val="tx1"/>
-                </a:solidFill>
-                <a:effectLst/>
-                <a:uLnTx/>
-                <a:uFillTx/>
-                <a:latin typeface="+mn-lt"/>
-                <a:ea typeface="+mn-ea"/>
-                <a:cs typeface="+mn-cs"/>
-              </a:rPr>
-              <a:t>)</a:t>
-            </a:r>
-            <a:endParaRPr kumimoji="0" lang="de-DE" sz="1800" b="0" i="0" u="none" strike="noStrike" kern="1200" cap="none" spc="0" normalizeH="0" baseline="0" noProof="0" dirty="0">
-              <a:ln>
-                <a:noFill/>
-              </a:ln>
-              <a:solidFill>
-                <a:schemeClr val="tx1"/>
-              </a:solidFill>
-              <a:effectLst/>
-              <a:uLnTx/>
-              <a:uFillTx/>
-              <a:latin typeface="+mn-lt"/>
-              <a:ea typeface="+mn-ea"/>
-              <a:cs typeface="+mn-cs"/>
-            </a:endParaRPr>
+              <a:rPr lang="en-US" dirty="0"/>
+              <a:t>(Groves et al. 2009, p.48)</a:t>
+            </a:r>
+            <a:endParaRPr lang="de-DE" dirty="0"/>
           </a:p>
         </p:txBody>
       </p:sp>
@@ -10641,7 +10357,7 @@
         </p:nvSpPr>
         <p:spPr>
           <a:xfrm>
-            <a:off x="5364088" y="3762872"/>
+            <a:off x="6888088" y="3762872"/>
             <a:ext cx="3672408" cy="2611904"/>
           </a:xfrm>
           <a:prstGeom prst="ellipse">
@@ -10837,7 +10553,7 @@
         </p:nvSpPr>
         <p:spPr>
           <a:xfrm>
-            <a:off x="5831840" y="1600200"/>
+            <a:off x="7355840" y="1600201"/>
             <a:ext cx="2854960" cy="4525963"/>
           </a:xfrm>
         </p:spPr>
@@ -10907,7 +10623,7 @@
         </p:blipFill>
         <p:spPr>
           <a:xfrm>
-            <a:off x="370176" y="1097360"/>
+            <a:off x="1894176" y="1097360"/>
             <a:ext cx="5760640" cy="5760640"/>
           </a:xfrm>
           <a:prstGeom prst="rect">
@@ -10964,7 +10680,7 @@
         <p:spPr/>
         <p:txBody>
           <a:bodyPr>
-            <a:normAutofit fontScale="90000"/>
+            <a:normAutofit/>
           </a:bodyPr>
           <a:lstStyle/>
           <a:p>
@@ -10990,7 +10706,7 @@
         </p:nvSpPr>
         <p:spPr>
           <a:xfrm>
-            <a:off x="5554453" y="1196752"/>
+            <a:off x="7078454" y="1196752"/>
             <a:ext cx="2833971" cy="1569660"/>
           </a:xfrm>
           <a:prstGeom prst="rect">
@@ -11100,7 +10816,7 @@
         </p:blipFill>
         <p:spPr>
           <a:xfrm>
-            <a:off x="0" y="1196752"/>
+            <a:off x="1524000" y="1196753"/>
             <a:ext cx="5580112" cy="5671385"/>
           </a:xfrm>
           <a:prstGeom prst="rect">
@@ -11197,7 +10913,7 @@
         </p:blipFill>
         <p:spPr>
           <a:xfrm>
-            <a:off x="457200" y="1340768"/>
+            <a:off x="1981201" y="1340769"/>
             <a:ext cx="4937125" cy="4937125"/>
           </a:xfrm>
         </p:spPr>
@@ -11291,7 +11007,7 @@
         </p:blipFill>
         <p:spPr>
           <a:xfrm>
-            <a:off x="755576" y="1268760"/>
+            <a:off x="2279576" y="1268761"/>
             <a:ext cx="6582832" cy="4937125"/>
           </a:xfrm>
         </p:spPr>
@@ -11338,7 +11054,7 @@
         </p:nvSpPr>
         <p:spPr>
           <a:xfrm>
-            <a:off x="457200" y="274638"/>
+            <a:off x="1981200" y="274638"/>
             <a:ext cx="8229600" cy="850106"/>
           </a:xfrm>
         </p:spPr>
@@ -11365,7 +11081,7 @@
         </p:nvSpPr>
         <p:spPr>
           <a:xfrm>
-            <a:off x="457200" y="1340768"/>
+            <a:off x="1981200" y="1340768"/>
             <a:ext cx="8229600" cy="4896544"/>
           </a:xfrm>
         </p:spPr>

--- a/static/files/SDA/week8/lecture_week_8.pptx
+++ b/static/files/SDA/week8/lecture_week_8.pptx
@@ -5,7 +5,7 @@
     <p:sldMasterId id="2147483648" r:id="rId1"/>
   </p:sldMasterIdLst>
   <p:notesMasterIdLst>
-    <p:notesMasterId r:id="rId33"/>
+    <p:notesMasterId r:id="rId34"/>
   </p:notesMasterIdLst>
   <p:sldIdLst>
     <p:sldId id="256" r:id="rId2"/>
@@ -39,6 +39,7 @@
     <p:sldId id="285" r:id="rId30"/>
     <p:sldId id="418" r:id="rId31"/>
     <p:sldId id="315" r:id="rId32"/>
+    <p:sldId id="422" r:id="rId33"/>
   </p:sldIdLst>
   <p:sldSz cx="12192000" cy="6858000"/>
   <p:notesSz cx="7099300" cy="10234613"/>
@@ -238,7 +239,7 @@
           <a:p>
             <a:fld id="{8FEAE804-2177-420F-80EC-8435C849749E}" type="datetimeFigureOut">
               <a:rPr lang="nl-NL" smtClean="0"/>
-              <a:t>16-10-2023</a:t>
+              <a:t>24-10-2023</a:t>
             </a:fld>
             <a:endParaRPr lang="nl-NL"/>
           </a:p>
@@ -781,7 +782,7 @@
           <a:p>
             <a:fld id="{7758815F-D99B-4B41-95A2-A0AEC8FACC43}" type="datetimeFigureOut">
               <a:rPr lang="nl-NL" smtClean="0"/>
-              <a:t>16-10-2023</a:t>
+              <a:t>24-10-2023</a:t>
             </a:fld>
             <a:endParaRPr lang="nl-NL"/>
           </a:p>
@@ -951,7 +952,7 @@
           <a:p>
             <a:fld id="{7758815F-D99B-4B41-95A2-A0AEC8FACC43}" type="datetimeFigureOut">
               <a:rPr lang="nl-NL" smtClean="0"/>
-              <a:t>16-10-2023</a:t>
+              <a:t>24-10-2023</a:t>
             </a:fld>
             <a:endParaRPr lang="nl-NL"/>
           </a:p>
@@ -1131,7 +1132,7 @@
           <a:p>
             <a:fld id="{7758815F-D99B-4B41-95A2-A0AEC8FACC43}" type="datetimeFigureOut">
               <a:rPr lang="nl-NL" smtClean="0"/>
-              <a:t>16-10-2023</a:t>
+              <a:t>24-10-2023</a:t>
             </a:fld>
             <a:endParaRPr lang="nl-NL"/>
           </a:p>
@@ -1301,7 +1302,7 @@
           <a:p>
             <a:fld id="{7758815F-D99B-4B41-95A2-A0AEC8FACC43}" type="datetimeFigureOut">
               <a:rPr lang="nl-NL" smtClean="0"/>
-              <a:t>16-10-2023</a:t>
+              <a:t>24-10-2023</a:t>
             </a:fld>
             <a:endParaRPr lang="nl-NL"/>
           </a:p>
@@ -1547,7 +1548,7 @@
           <a:p>
             <a:fld id="{7758815F-D99B-4B41-95A2-A0AEC8FACC43}" type="datetimeFigureOut">
               <a:rPr lang="nl-NL" smtClean="0"/>
-              <a:t>16-10-2023</a:t>
+              <a:t>24-10-2023</a:t>
             </a:fld>
             <a:endParaRPr lang="nl-NL"/>
           </a:p>
@@ -1835,7 +1836,7 @@
           <a:p>
             <a:fld id="{7758815F-D99B-4B41-95A2-A0AEC8FACC43}" type="datetimeFigureOut">
               <a:rPr lang="nl-NL" smtClean="0"/>
-              <a:t>16-10-2023</a:t>
+              <a:t>24-10-2023</a:t>
             </a:fld>
             <a:endParaRPr lang="nl-NL"/>
           </a:p>
@@ -2257,7 +2258,7 @@
           <a:p>
             <a:fld id="{7758815F-D99B-4B41-95A2-A0AEC8FACC43}" type="datetimeFigureOut">
               <a:rPr lang="nl-NL" smtClean="0"/>
-              <a:t>16-10-2023</a:t>
+              <a:t>24-10-2023</a:t>
             </a:fld>
             <a:endParaRPr lang="nl-NL"/>
           </a:p>
@@ -2375,7 +2376,7 @@
           <a:p>
             <a:fld id="{7758815F-D99B-4B41-95A2-A0AEC8FACC43}" type="datetimeFigureOut">
               <a:rPr lang="nl-NL" smtClean="0"/>
-              <a:t>16-10-2023</a:t>
+              <a:t>24-10-2023</a:t>
             </a:fld>
             <a:endParaRPr lang="nl-NL"/>
           </a:p>
@@ -2470,7 +2471,7 @@
           <a:p>
             <a:fld id="{7758815F-D99B-4B41-95A2-A0AEC8FACC43}" type="datetimeFigureOut">
               <a:rPr lang="nl-NL" smtClean="0"/>
-              <a:t>16-10-2023</a:t>
+              <a:t>24-10-2023</a:t>
             </a:fld>
             <a:endParaRPr lang="nl-NL"/>
           </a:p>
@@ -2747,7 +2748,7 @@
           <a:p>
             <a:fld id="{7758815F-D99B-4B41-95A2-A0AEC8FACC43}" type="datetimeFigureOut">
               <a:rPr lang="nl-NL" smtClean="0"/>
-              <a:t>16-10-2023</a:t>
+              <a:t>24-10-2023</a:t>
             </a:fld>
             <a:endParaRPr lang="nl-NL"/>
           </a:p>
@@ -3000,7 +3001,7 @@
           <a:p>
             <a:fld id="{7758815F-D99B-4B41-95A2-A0AEC8FACC43}" type="datetimeFigureOut">
               <a:rPr lang="nl-NL" smtClean="0"/>
-              <a:t>16-10-2023</a:t>
+              <a:t>24-10-2023</a:t>
             </a:fld>
             <a:endParaRPr lang="nl-NL"/>
           </a:p>
@@ -3213,7 +3214,7 @@
           <a:p>
             <a:fld id="{7758815F-D99B-4B41-95A2-A0AEC8FACC43}" type="datetimeFigureOut">
               <a:rPr lang="nl-NL" smtClean="0"/>
-              <a:t>16-10-2023</a:t>
+              <a:t>24-10-2023</a:t>
             </a:fld>
             <a:endParaRPr lang="nl-NL"/>
           </a:p>
@@ -9492,7 +9493,7 @@
 </file>
 
 <file path=ppt/slides/slide29.xml><?xml version="1.0" encoding="utf-8"?>
-<p:sld xmlns:a="http://schemas.openxmlformats.org/drawingml/2006/main" xmlns:r="http://schemas.openxmlformats.org/officeDocument/2006/relationships" xmlns:p="http://schemas.openxmlformats.org/presentationml/2006/main">
+<p:sld xmlns:a="http://schemas.openxmlformats.org/drawingml/2006/main" xmlns:r="http://schemas.openxmlformats.org/officeDocument/2006/relationships" xmlns:p="http://schemas.openxmlformats.org/presentationml/2006/main" show="0">
   <p:cSld>
     <p:spTree>
       <p:nvGrpSpPr>
@@ -10187,6 +10188,183 @@
     <p:extLst>
       <p:ext uri="{BB962C8B-B14F-4D97-AF65-F5344CB8AC3E}">
         <p14:creationId xmlns:p14="http://schemas.microsoft.com/office/powerpoint/2010/main" val="4263769302"/>
+      </p:ext>
+    </p:extLst>
+  </p:cSld>
+  <p:clrMapOvr>
+    <a:masterClrMapping/>
+  </p:clrMapOvr>
+</p:sld>
+</file>
+
+<file path=ppt/slides/slide32.xml><?xml version="1.0" encoding="utf-8"?>
+<p:sld xmlns:a="http://schemas.openxmlformats.org/drawingml/2006/main" xmlns:r="http://schemas.openxmlformats.org/officeDocument/2006/relationships" xmlns:p="http://schemas.openxmlformats.org/presentationml/2006/main">
+  <p:cSld>
+    <p:spTree>
+      <p:nvGrpSpPr>
+        <p:cNvPr id="1" name=""/>
+        <p:cNvGrpSpPr/>
+        <p:nvPr/>
+      </p:nvGrpSpPr>
+      <p:grpSpPr>
+        <a:xfrm>
+          <a:off x="0" y="0"/>
+          <a:ext cx="0" cy="0"/>
+          <a:chOff x="0" y="0"/>
+          <a:chExt cx="0" cy="0"/>
+        </a:xfrm>
+      </p:grpSpPr>
+      <p:sp>
+        <p:nvSpPr>
+          <p:cNvPr id="2" name="Title 1">
+            <a:extLst>
+              <a:ext uri="{FF2B5EF4-FFF2-40B4-BE49-F238E27FC236}">
+                <a16:creationId xmlns:a16="http://schemas.microsoft.com/office/drawing/2014/main" id="{039E02A8-4978-30AE-A5B6-284F01148515}"/>
+              </a:ext>
+            </a:extLst>
+          </p:cNvPr>
+          <p:cNvSpPr>
+            <a:spLocks noGrp="1"/>
+          </p:cNvSpPr>
+          <p:nvPr>
+            <p:ph type="title"/>
+          </p:nvPr>
+        </p:nvSpPr>
+        <p:spPr/>
+        <p:txBody>
+          <a:bodyPr/>
+          <a:lstStyle/>
+          <a:p>
+            <a:r>
+              <a:rPr lang="en-US" dirty="0"/>
+              <a:t>Now: Exercise</a:t>
+            </a:r>
+            <a:endParaRPr lang="nl-NL" dirty="0"/>
+          </a:p>
+        </p:txBody>
+      </p:sp>
+      <p:sp>
+        <p:nvSpPr>
+          <p:cNvPr id="3" name="Content Placeholder 2">
+            <a:extLst>
+              <a:ext uri="{FF2B5EF4-FFF2-40B4-BE49-F238E27FC236}">
+                <a16:creationId xmlns:a16="http://schemas.microsoft.com/office/drawing/2014/main" id="{2F20B41C-215A-B3E9-25E1-34C0C1B34D5D}"/>
+              </a:ext>
+            </a:extLst>
+          </p:cNvPr>
+          <p:cNvSpPr>
+            <a:spLocks noGrp="1"/>
+          </p:cNvSpPr>
+          <p:nvPr>
+            <p:ph idx="1"/>
+          </p:nvPr>
+        </p:nvSpPr>
+        <p:spPr/>
+        <p:txBody>
+          <a:bodyPr/>
+          <a:lstStyle/>
+          <a:p>
+            <a:r>
+              <a:rPr lang="en-US" dirty="0"/>
+              <a:t>European Social Survey</a:t>
+            </a:r>
+          </a:p>
+          <a:p>
+            <a:pPr lvl="1"/>
+            <a:r>
+              <a:rPr lang="en-US" dirty="0"/>
+              <a:t>Hungary and Slovakia only</a:t>
+            </a:r>
+          </a:p>
+          <a:p>
+            <a:r>
+              <a:rPr lang="nl-NL" dirty="0" err="1"/>
+              <a:t>Explore</a:t>
+            </a:r>
+            <a:r>
+              <a:rPr lang="nl-NL" dirty="0"/>
+              <a:t> and </a:t>
+            </a:r>
+            <a:r>
+              <a:rPr lang="nl-NL" dirty="0" err="1"/>
+              <a:t>understand</a:t>
+            </a:r>
+            <a:r>
+              <a:rPr lang="nl-NL" dirty="0"/>
+              <a:t> different </a:t>
+            </a:r>
+            <a:r>
+              <a:rPr lang="nl-NL" dirty="0" err="1"/>
+              <a:t>weights</a:t>
+            </a:r>
+            <a:r>
+              <a:rPr lang="nl-NL" dirty="0"/>
+              <a:t> in dataset</a:t>
+            </a:r>
+          </a:p>
+          <a:p>
+            <a:r>
+              <a:rPr lang="nl-NL" dirty="0"/>
+              <a:t>How does </a:t>
+            </a:r>
+            <a:r>
+              <a:rPr lang="nl-NL" dirty="0" err="1"/>
+              <a:t>weighting</a:t>
+            </a:r>
+            <a:r>
+              <a:rPr lang="nl-NL" dirty="0"/>
+              <a:t> matter?</a:t>
+            </a:r>
+          </a:p>
+          <a:p>
+            <a:pPr lvl="1"/>
+            <a:r>
+              <a:rPr lang="nl-NL" dirty="0"/>
+              <a:t>Point </a:t>
+            </a:r>
+            <a:r>
+              <a:rPr lang="nl-NL" dirty="0" err="1"/>
+              <a:t>estimates</a:t>
+            </a:r>
+            <a:endParaRPr lang="nl-NL" dirty="0"/>
+          </a:p>
+          <a:p>
+            <a:pPr lvl="1"/>
+            <a:r>
+              <a:rPr lang="nl-NL" dirty="0" err="1"/>
+              <a:t>Variances</a:t>
+            </a:r>
+            <a:endParaRPr lang="nl-NL" dirty="0"/>
+          </a:p>
+          <a:p>
+            <a:pPr lvl="1"/>
+            <a:endParaRPr lang="nl-NL" dirty="0"/>
+          </a:p>
+          <a:p>
+            <a:r>
+              <a:rPr lang="nl-NL" dirty="0"/>
+              <a:t>Finish at home, </a:t>
+            </a:r>
+            <a:r>
+              <a:rPr lang="nl-NL" dirty="0" err="1"/>
+              <a:t>before</a:t>
+            </a:r>
+            <a:r>
+              <a:rPr lang="nl-NL" dirty="0"/>
+              <a:t> next </a:t>
+            </a:r>
+            <a:r>
+              <a:rPr lang="nl-NL" dirty="0" err="1"/>
+              <a:t>lecture</a:t>
+            </a:r>
+            <a:endParaRPr lang="nl-NL" dirty="0"/>
+          </a:p>
+        </p:txBody>
+      </p:sp>
+    </p:spTree>
+    <p:extLst>
+      <p:ext uri="{BB962C8B-B14F-4D97-AF65-F5344CB8AC3E}">
+        <p14:creationId xmlns:p14="http://schemas.microsoft.com/office/powerpoint/2010/main" val="1695644577"/>
       </p:ext>
     </p:extLst>
   </p:cSld>
